--- a/7 Days Workshop/Day3_Photoshop_Essentials_Workshop.pptx
+++ b/7 Days Workshop/Day3_Photoshop_Essentials_Workshop.pptx
@@ -131,17 +131,71 @@
 </p:presentation>
 </file>
 
+<file path=ppt/revisionInfo.xml><?xml version="1.0" encoding="utf-8"?>
+<p1510:revInfo xmlns:a="http://schemas.openxmlformats.org/drawingml/2006/main" xmlns:r="http://schemas.openxmlformats.org/officeDocument/2006/relationships" xmlns:p1510="http://schemas.microsoft.com/office/powerpoint/2015/10/main">
+  <p1510:revLst>
+    <p1510:client id="{86413050-5C3E-494B-AF3C-E91758219A5A}" v="63" dt="2025-07-24T17:54:24.710"/>
+  </p1510:revLst>
+</p1510:revInfo>
+</file>
+
 <file path=ppt/changesInfos/changesInfo1.xml><?xml version="1.0" encoding="utf-8"?>
 <pc:chgInfo xmlns:a="http://schemas.openxmlformats.org/drawingml/2006/main" xmlns:r="http://schemas.openxmlformats.org/officeDocument/2006/relationships" xmlns:ac="http://schemas.microsoft.com/office/drawing/2013/main/command" xmlns:pc="http://schemas.microsoft.com/office/powerpoint/2013/main/command">
   <pc:docChgLst>
     <pc:chgData name="Suraj Arya" userId="116808dbeaa341df" providerId="LiveId" clId="{86413050-5C3E-494B-AF3C-E91758219A5A}"/>
-    <pc:docChg chg="undo custSel modSld">
-      <pc:chgData name="Suraj Arya" userId="116808dbeaa341df" providerId="LiveId" clId="{86413050-5C3E-494B-AF3C-E91758219A5A}" dt="2025-07-18T05:48:34.995" v="3" actId="1076"/>
+    <pc:docChg chg="undo custSel modSld sldOrd">
+      <pc:chgData name="Suraj Arya" userId="116808dbeaa341df" providerId="LiveId" clId="{86413050-5C3E-494B-AF3C-E91758219A5A}" dt="2025-07-25T11:55:42.507" v="141"/>
       <pc:docMkLst>
         <pc:docMk/>
       </pc:docMkLst>
-      <pc:sldChg chg="modSp mod">
-        <pc:chgData name="Suraj Arya" userId="116808dbeaa341df" providerId="LiveId" clId="{86413050-5C3E-494B-AF3C-E91758219A5A}" dt="2025-07-18T05:48:34.995" v="3" actId="1076"/>
+      <pc:sldChg chg="addSp modSp mod">
+        <pc:chgData name="Suraj Arya" userId="116808dbeaa341df" providerId="LiveId" clId="{86413050-5C3E-494B-AF3C-E91758219A5A}" dt="2025-07-24T17:54:13.237" v="131" actId="171"/>
+        <pc:sldMkLst>
+          <pc:docMk/>
+          <pc:sldMk cId="0" sldId="256"/>
+        </pc:sldMkLst>
+        <pc:picChg chg="add mod">
+          <ac:chgData name="Suraj Arya" userId="116808dbeaa341df" providerId="LiveId" clId="{86413050-5C3E-494B-AF3C-E91758219A5A}" dt="2025-07-24T17:53:37.845" v="114" actId="1076"/>
+          <ac:picMkLst>
+            <pc:docMk/>
+            <pc:sldMk cId="0" sldId="256"/>
+            <ac:picMk id="4" creationId="{90E05CA8-61B4-6DBC-66CB-F17E7162248A}"/>
+          </ac:picMkLst>
+        </pc:picChg>
+        <pc:picChg chg="add mod ord">
+          <ac:chgData name="Suraj Arya" userId="116808dbeaa341df" providerId="LiveId" clId="{86413050-5C3E-494B-AF3C-E91758219A5A}" dt="2025-07-24T17:54:13.237" v="131" actId="171"/>
+          <ac:picMkLst>
+            <pc:docMk/>
+            <pc:sldMk cId="0" sldId="256"/>
+            <ac:picMk id="5" creationId="{738EE264-1653-F0DF-A7C3-BFFB9365D21A}"/>
+          </ac:picMkLst>
+        </pc:picChg>
+      </pc:sldChg>
+      <pc:sldChg chg="addSp modSp">
+        <pc:chgData name="Suraj Arya" userId="116808dbeaa341df" providerId="LiveId" clId="{86413050-5C3E-494B-AF3C-E91758219A5A}" dt="2025-07-24T17:54:14.650" v="132"/>
+        <pc:sldMkLst>
+          <pc:docMk/>
+          <pc:sldMk cId="0" sldId="257"/>
+        </pc:sldMkLst>
+        <pc:picChg chg="add mod">
+          <ac:chgData name="Suraj Arya" userId="116808dbeaa341df" providerId="LiveId" clId="{86413050-5C3E-494B-AF3C-E91758219A5A}" dt="2025-07-24T17:53:41.021" v="115"/>
+          <ac:picMkLst>
+            <pc:docMk/>
+            <pc:sldMk cId="0" sldId="257"/>
+            <ac:picMk id="4" creationId="{042B147A-0B9A-4AAD-97FF-E6802CB0D621}"/>
+          </ac:picMkLst>
+        </pc:picChg>
+        <pc:picChg chg="add mod">
+          <ac:chgData name="Suraj Arya" userId="116808dbeaa341df" providerId="LiveId" clId="{86413050-5C3E-494B-AF3C-E91758219A5A}" dt="2025-07-24T17:54:14.650" v="132"/>
+          <ac:picMkLst>
+            <pc:docMk/>
+            <pc:sldMk cId="0" sldId="257"/>
+            <ac:picMk id="6" creationId="{3B35D4F2-1001-31AE-D743-8B803170BD03}"/>
+          </ac:picMkLst>
+        </pc:picChg>
+      </pc:sldChg>
+      <pc:sldChg chg="addSp modSp mod">
+        <pc:chgData name="Suraj Arya" userId="116808dbeaa341df" providerId="LiveId" clId="{86413050-5C3E-494B-AF3C-E91758219A5A}" dt="2025-07-24T17:54:16.210" v="133"/>
         <pc:sldMkLst>
           <pc:docMk/>
           <pc:sldMk cId="0" sldId="258"/>
@@ -162,10 +216,200 @@
             <ac:spMk id="3" creationId="{00000000-0000-0000-0000-000000000000}"/>
           </ac:spMkLst>
         </pc:spChg>
+        <pc:picChg chg="add mod">
+          <ac:chgData name="Suraj Arya" userId="116808dbeaa341df" providerId="LiveId" clId="{86413050-5C3E-494B-AF3C-E91758219A5A}" dt="2025-07-24T17:53:42.542" v="116"/>
+          <ac:picMkLst>
+            <pc:docMk/>
+            <pc:sldMk cId="0" sldId="258"/>
+            <ac:picMk id="4" creationId="{42F22107-7E4E-05F4-1505-17A0D7072DB9}"/>
+          </ac:picMkLst>
+        </pc:picChg>
+        <pc:picChg chg="add mod">
+          <ac:chgData name="Suraj Arya" userId="116808dbeaa341df" providerId="LiveId" clId="{86413050-5C3E-494B-AF3C-E91758219A5A}" dt="2025-07-24T17:54:16.210" v="133"/>
+          <ac:picMkLst>
+            <pc:docMk/>
+            <pc:sldMk cId="0" sldId="258"/>
+            <ac:picMk id="7" creationId="{6B144ACA-E328-BD1C-40C1-3F8011A6B6A4}"/>
+          </ac:picMkLst>
+        </pc:picChg>
+      </pc:sldChg>
+      <pc:sldChg chg="addSp modSp">
+        <pc:chgData name="Suraj Arya" userId="116808dbeaa341df" providerId="LiveId" clId="{86413050-5C3E-494B-AF3C-E91758219A5A}" dt="2025-07-24T17:54:17.131" v="134"/>
+        <pc:sldMkLst>
+          <pc:docMk/>
+          <pc:sldMk cId="0" sldId="259"/>
+        </pc:sldMkLst>
+        <pc:picChg chg="add mod">
+          <ac:chgData name="Suraj Arya" userId="116808dbeaa341df" providerId="LiveId" clId="{86413050-5C3E-494B-AF3C-E91758219A5A}" dt="2025-07-24T17:53:43.500" v="117"/>
+          <ac:picMkLst>
+            <pc:docMk/>
+            <pc:sldMk cId="0" sldId="259"/>
+            <ac:picMk id="4" creationId="{36B86985-8BD4-EB57-1B02-04AB708C4888}"/>
+          </ac:picMkLst>
+        </pc:picChg>
+        <pc:picChg chg="add mod">
+          <ac:chgData name="Suraj Arya" userId="116808dbeaa341df" providerId="LiveId" clId="{86413050-5C3E-494B-AF3C-E91758219A5A}" dt="2025-07-24T17:54:17.131" v="134"/>
+          <ac:picMkLst>
+            <pc:docMk/>
+            <pc:sldMk cId="0" sldId="259"/>
+            <ac:picMk id="9" creationId="{DAF0D6ED-67CA-EC66-F79D-D64452836C8A}"/>
+          </ac:picMkLst>
+        </pc:picChg>
+      </pc:sldChg>
+      <pc:sldChg chg="addSp modSp">
+        <pc:chgData name="Suraj Arya" userId="116808dbeaa341df" providerId="LiveId" clId="{86413050-5C3E-494B-AF3C-E91758219A5A}" dt="2025-07-24T17:54:18.598" v="135"/>
+        <pc:sldMkLst>
+          <pc:docMk/>
+          <pc:sldMk cId="0" sldId="260"/>
+        </pc:sldMkLst>
+        <pc:picChg chg="add mod">
+          <ac:chgData name="Suraj Arya" userId="116808dbeaa341df" providerId="LiveId" clId="{86413050-5C3E-494B-AF3C-E91758219A5A}" dt="2025-07-24T17:53:45.610" v="118"/>
+          <ac:picMkLst>
+            <pc:docMk/>
+            <pc:sldMk cId="0" sldId="260"/>
+            <ac:picMk id="9" creationId="{97CC114B-7918-28B7-1AB8-8B28BBFEC050}"/>
+          </ac:picMkLst>
+        </pc:picChg>
+        <pc:picChg chg="add mod">
+          <ac:chgData name="Suraj Arya" userId="116808dbeaa341df" providerId="LiveId" clId="{86413050-5C3E-494B-AF3C-E91758219A5A}" dt="2025-07-24T17:54:18.598" v="135"/>
+          <ac:picMkLst>
+            <pc:docMk/>
+            <pc:sldMk cId="0" sldId="260"/>
+            <ac:picMk id="10" creationId="{830A0075-981F-D202-0E1B-9CC28AE90550}"/>
+          </ac:picMkLst>
+        </pc:picChg>
+      </pc:sldChg>
+      <pc:sldChg chg="addSp modSp ord">
+        <pc:chgData name="Suraj Arya" userId="116808dbeaa341df" providerId="LiveId" clId="{86413050-5C3E-494B-AF3C-E91758219A5A}" dt="2025-07-25T11:55:42.507" v="141"/>
+        <pc:sldMkLst>
+          <pc:docMk/>
+          <pc:sldMk cId="0" sldId="262"/>
+        </pc:sldMkLst>
+        <pc:picChg chg="add mod">
+          <ac:chgData name="Suraj Arya" userId="116808dbeaa341df" providerId="LiveId" clId="{86413050-5C3E-494B-AF3C-E91758219A5A}" dt="2025-07-24T17:53:46.788" v="119"/>
+          <ac:picMkLst>
+            <pc:docMk/>
+            <pc:sldMk cId="0" sldId="262"/>
+            <ac:picMk id="9" creationId="{8C376040-3257-9EE9-2A7F-17E3E66DFFDD}"/>
+          </ac:picMkLst>
+        </pc:picChg>
+        <pc:picChg chg="add mod">
+          <ac:chgData name="Suraj Arya" userId="116808dbeaa341df" providerId="LiveId" clId="{86413050-5C3E-494B-AF3C-E91758219A5A}" dt="2025-07-24T17:54:20.865" v="136"/>
+          <ac:picMkLst>
+            <pc:docMk/>
+            <pc:sldMk cId="0" sldId="262"/>
+            <ac:picMk id="10" creationId="{E2ACF0E7-8B45-5A5F-BA5E-582850AFB4AA}"/>
+          </ac:picMkLst>
+        </pc:picChg>
+      </pc:sldChg>
+      <pc:sldChg chg="addSp modSp">
+        <pc:chgData name="Suraj Arya" userId="116808dbeaa341df" providerId="LiveId" clId="{86413050-5C3E-494B-AF3C-E91758219A5A}" dt="2025-07-24T17:54:22.388" v="137"/>
+        <pc:sldMkLst>
+          <pc:docMk/>
+          <pc:sldMk cId="0" sldId="263"/>
+        </pc:sldMkLst>
+        <pc:picChg chg="add mod">
+          <ac:chgData name="Suraj Arya" userId="116808dbeaa341df" providerId="LiveId" clId="{86413050-5C3E-494B-AF3C-E91758219A5A}" dt="2025-07-24T17:53:48.001" v="120"/>
+          <ac:picMkLst>
+            <pc:docMk/>
+            <pc:sldMk cId="0" sldId="263"/>
+            <ac:picMk id="5" creationId="{4C50ABF9-6573-8E40-E860-4E6A851B6909}"/>
+          </ac:picMkLst>
+        </pc:picChg>
+        <pc:picChg chg="add mod">
+          <ac:chgData name="Suraj Arya" userId="116808dbeaa341df" providerId="LiveId" clId="{86413050-5C3E-494B-AF3C-E91758219A5A}" dt="2025-07-24T17:54:22.388" v="137"/>
+          <ac:picMkLst>
+            <pc:docMk/>
+            <pc:sldMk cId="0" sldId="263"/>
+            <ac:picMk id="6" creationId="{9132751A-F50E-A6F4-CADE-46979683D663}"/>
+          </ac:picMkLst>
+        </pc:picChg>
+      </pc:sldChg>
+      <pc:sldChg chg="addSp delSp modSp mod">
+        <pc:chgData name="Suraj Arya" userId="116808dbeaa341df" providerId="LiveId" clId="{86413050-5C3E-494B-AF3C-E91758219A5A}" dt="2025-07-24T17:54:23.850" v="138"/>
+        <pc:sldMkLst>
+          <pc:docMk/>
+          <pc:sldMk cId="0" sldId="264"/>
+        </pc:sldMkLst>
+        <pc:picChg chg="add mod">
+          <ac:chgData name="Suraj Arya" userId="116808dbeaa341df" providerId="LiveId" clId="{86413050-5C3E-494B-AF3C-E91758219A5A}" dt="2025-07-24T17:53:49.059" v="121"/>
+          <ac:picMkLst>
+            <pc:docMk/>
+            <pc:sldMk cId="0" sldId="264"/>
+            <ac:picMk id="8" creationId="{3E177DA4-2B0E-3827-B6E8-8F7369BFA317}"/>
+          </ac:picMkLst>
+        </pc:picChg>
+        <pc:picChg chg="add mod">
+          <ac:chgData name="Suraj Arya" userId="116808dbeaa341df" providerId="LiveId" clId="{86413050-5C3E-494B-AF3C-E91758219A5A}" dt="2025-07-24T17:54:23.850" v="138"/>
+          <ac:picMkLst>
+            <pc:docMk/>
+            <pc:sldMk cId="0" sldId="264"/>
+            <ac:picMk id="9" creationId="{F664D5A4-8097-5A1B-9F29-BFA800D7B13F}"/>
+          </ac:picMkLst>
+        </pc:picChg>
+        <pc:inkChg chg="add">
+          <ac:chgData name="Suraj Arya" userId="116808dbeaa341df" providerId="LiveId" clId="{86413050-5C3E-494B-AF3C-E91758219A5A}" dt="2025-07-23T03:20:34.729" v="22" actId="9405"/>
+          <ac:inkMkLst>
+            <pc:docMk/>
+            <pc:sldMk cId="0" sldId="264"/>
+            <ac:inkMk id="6" creationId="{A908D993-04AE-8D10-19E7-E32E9CF44D29}"/>
+          </ac:inkMkLst>
+        </pc:inkChg>
+      </pc:sldChg>
+      <pc:sldChg chg="addSp delSp modSp mod">
+        <pc:chgData name="Suraj Arya" userId="116808dbeaa341df" providerId="LiveId" clId="{86413050-5C3E-494B-AF3C-E91758219A5A}" dt="2025-07-24T17:54:24.710" v="139"/>
+        <pc:sldMkLst>
+          <pc:docMk/>
+          <pc:sldMk cId="3381962354" sldId="265"/>
+        </pc:sldMkLst>
+        <pc:picChg chg="add mod">
+          <ac:chgData name="Suraj Arya" userId="116808dbeaa341df" providerId="LiveId" clId="{86413050-5C3E-494B-AF3C-E91758219A5A}" dt="2025-07-24T17:53:50.275" v="122"/>
+          <ac:picMkLst>
+            <pc:docMk/>
+            <pc:sldMk cId="3381962354" sldId="265"/>
+            <ac:picMk id="3" creationId="{2AC42400-21A9-3F0C-1B36-004D5C52D9B1}"/>
+          </ac:picMkLst>
+        </pc:picChg>
+        <pc:picChg chg="add mod">
+          <ac:chgData name="Suraj Arya" userId="116808dbeaa341df" providerId="LiveId" clId="{86413050-5C3E-494B-AF3C-E91758219A5A}" dt="2025-07-24T17:54:24.710" v="139"/>
+          <ac:picMkLst>
+            <pc:docMk/>
+            <pc:sldMk cId="3381962354" sldId="265"/>
+            <ac:picMk id="4" creationId="{072A3A5A-F698-5C93-1A29-FB296922DD20}"/>
+          </ac:picMkLst>
+        </pc:picChg>
       </pc:sldChg>
     </pc:docChg>
   </pc:docChgLst>
 </pc:chgInfo>
+</file>
+
+<file path=ppt/ink/ink1.xml><?xml version="1.0" encoding="utf-8"?>
+<inkml:ink xmlns:inkml="http://www.w3.org/2003/InkML">
+  <inkml:definitions>
+    <inkml:context xml:id="ctx0">
+      <inkml:inkSource xml:id="inkSrc0">
+        <inkml:traceFormat>
+          <inkml:channel name="X" type="integer" min="-2.14748E9" max="2.14748E9" units="cm"/>
+          <inkml:channel name="Y" type="integer" min="-2.14748E9" max="2.14748E9" units="cm"/>
+          <inkml:channel name="F" type="integer" max="32767" units="dev"/>
+        </inkml:traceFormat>
+        <inkml:channelProperties>
+          <inkml:channelProperty channel="X" name="resolution" value="1000" units="1/cm"/>
+          <inkml:channelProperty channel="Y" name="resolution" value="1000" units="1/cm"/>
+          <inkml:channelProperty channel="F" name="resolution" value="0" units="1/dev"/>
+        </inkml:channelProperties>
+      </inkml:inkSource>
+      <inkml:timestamp xml:id="ts0" timeString="2025-07-23T03:20:34.727"/>
+    </inkml:context>
+    <inkml:brush xml:id="br0">
+      <inkml:brushProperty name="width" value="0.035" units="cm"/>
+      <inkml:brushProperty name="height" value="0.035" units="cm"/>
+      <inkml:brushProperty name="color" value="#FFC114"/>
+    </inkml:brush>
+  </inkml:definitions>
+  <inkml:trace contextRef="#ctx0" brushRef="#br0">37 0 16388,'0'0'0,"-36"42"0</inkml:trace>
+</inkml:ink>
 </file>
 
 <file path=ppt/slideLayouts/slideLayout1.xml><?xml version="1.0" encoding="utf-8"?>
@@ -218,7 +462,7 @@
           <a:noFill/>
           <a:extLst>
             <a:ext uri="{909E8E84-426E-40dd-AFC4-6F175D3DCCD1}">
-              <a14:hiddenFill xmlns:a14="http://schemas.microsoft.com/office/drawing/2010/main" xmlns="">
+              <a14:hiddenFill xmlns="" xmlns:a14="http://schemas.microsoft.com/office/drawing/2010/main">
                 <a:solidFill>
                   <a:srgbClr val="FFFFFF"/>
                 </a:solidFill>
@@ -278,7 +522,7 @@
             </a:ln>
             <a:extLst>
               <a:ext uri="{91240B29-F687-4f45-9708-019B960494DF}">
-                <a14:hiddenLine xmlns:a14="http://schemas.microsoft.com/office/drawing/2010/main" xmlns="" w="9525">
+                <a14:hiddenLine xmlns="" xmlns:a14="http://schemas.microsoft.com/office/drawing/2010/main" w="9525">
                   <a:solidFill>
                     <a:srgbClr val="000000"/>
                   </a:solidFill>
@@ -368,7 +612,7 @@
             </a:ln>
             <a:extLst>
               <a:ext uri="{91240B29-F687-4f45-9708-019B960494DF}">
-                <a14:hiddenLine xmlns:a14="http://schemas.microsoft.com/office/drawing/2010/main" xmlns="" w="9525">
+                <a14:hiddenLine xmlns="" xmlns:a14="http://schemas.microsoft.com/office/drawing/2010/main" w="9525">
                   <a:solidFill>
                     <a:srgbClr val="000000"/>
                   </a:solidFill>
@@ -458,7 +702,7 @@
             </a:ln>
             <a:extLst>
               <a:ext uri="{91240B29-F687-4f45-9708-019B960494DF}">
-                <a14:hiddenLine xmlns:a14="http://schemas.microsoft.com/office/drawing/2010/main" xmlns="" w="9525">
+                <a14:hiddenLine xmlns="" xmlns:a14="http://schemas.microsoft.com/office/drawing/2010/main" w="9525">
                   <a:solidFill>
                     <a:srgbClr val="000000"/>
                   </a:solidFill>
@@ -492,7 +736,7 @@
             </a:ln>
             <a:extLst>
               <a:ext uri="{91240B29-F687-4f45-9708-019B960494DF}">
-                <a14:hiddenLine xmlns:a14="http://schemas.microsoft.com/office/drawing/2010/main" xmlns="" w="9525">
+                <a14:hiddenLine xmlns="" xmlns:a14="http://schemas.microsoft.com/office/drawing/2010/main" w="9525">
                   <a:solidFill>
                     <a:srgbClr val="000000"/>
                   </a:solidFill>
@@ -582,7 +826,7 @@
             </a:ln>
             <a:extLst>
               <a:ext uri="{91240B29-F687-4f45-9708-019B960494DF}">
-                <a14:hiddenLine xmlns:a14="http://schemas.microsoft.com/office/drawing/2010/main" xmlns="" w="9525">
+                <a14:hiddenLine xmlns="" xmlns:a14="http://schemas.microsoft.com/office/drawing/2010/main" w="9525">
                   <a:solidFill>
                     <a:srgbClr val="000000"/>
                   </a:solidFill>
@@ -644,7 +888,7 @@
             </a:ln>
             <a:extLst>
               <a:ext uri="{91240B29-F687-4f45-9708-019B960494DF}">
-                <a14:hiddenLine xmlns:a14="http://schemas.microsoft.com/office/drawing/2010/main" xmlns="" w="9525">
+                <a14:hiddenLine xmlns="" xmlns:a14="http://schemas.microsoft.com/office/drawing/2010/main" w="9525">
                   <a:solidFill>
                     <a:srgbClr val="000000"/>
                   </a:solidFill>
@@ -706,7 +950,7 @@
             </a:ln>
             <a:extLst>
               <a:ext uri="{91240B29-F687-4f45-9708-019B960494DF}">
-                <a14:hiddenLine xmlns:a14="http://schemas.microsoft.com/office/drawing/2010/main" xmlns="" w="9525">
+                <a14:hiddenLine xmlns="" xmlns:a14="http://schemas.microsoft.com/office/drawing/2010/main" w="9525">
                   <a:solidFill>
                     <a:srgbClr val="000000"/>
                   </a:solidFill>
@@ -796,7 +1040,7 @@
             </a:ln>
             <a:extLst>
               <a:ext uri="{91240B29-F687-4f45-9708-019B960494DF}">
-                <a14:hiddenLine xmlns:a14="http://schemas.microsoft.com/office/drawing/2010/main" xmlns="" w="9525">
+                <a14:hiddenLine xmlns="" xmlns:a14="http://schemas.microsoft.com/office/drawing/2010/main" w="9525">
                   <a:solidFill>
                     <a:srgbClr val="000000"/>
                   </a:solidFill>
@@ -858,7 +1102,7 @@
             </a:ln>
             <a:extLst>
               <a:ext uri="{91240B29-F687-4f45-9708-019B960494DF}">
-                <a14:hiddenLine xmlns:a14="http://schemas.microsoft.com/office/drawing/2010/main" xmlns="" w="9525">
+                <a14:hiddenLine xmlns="" xmlns:a14="http://schemas.microsoft.com/office/drawing/2010/main" w="9525">
                   <a:solidFill>
                     <a:srgbClr val="000000"/>
                   </a:solidFill>
@@ -920,7 +1164,7 @@
             </a:ln>
             <a:extLst>
               <a:ext uri="{91240B29-F687-4f45-9708-019B960494DF}">
-                <a14:hiddenLine xmlns:a14="http://schemas.microsoft.com/office/drawing/2010/main" xmlns="" w="9525">
+                <a14:hiddenLine xmlns="" xmlns:a14="http://schemas.microsoft.com/office/drawing/2010/main" w="9525">
                   <a:solidFill>
                     <a:srgbClr val="000000"/>
                   </a:solidFill>
@@ -1010,7 +1254,7 @@
             </a:ln>
             <a:extLst>
               <a:ext uri="{91240B29-F687-4f45-9708-019B960494DF}">
-                <a14:hiddenLine xmlns:a14="http://schemas.microsoft.com/office/drawing/2010/main" xmlns="" w="9525">
+                <a14:hiddenLine xmlns="" xmlns:a14="http://schemas.microsoft.com/office/drawing/2010/main" w="9525">
                   <a:solidFill>
                     <a:srgbClr val="000000"/>
                   </a:solidFill>
@@ -1100,7 +1344,7 @@
             </a:ln>
             <a:extLst>
               <a:ext uri="{91240B29-F687-4f45-9708-019B960494DF}">
-                <a14:hiddenLine xmlns:a14="http://schemas.microsoft.com/office/drawing/2010/main" xmlns="" w="9525">
+                <a14:hiddenLine xmlns="" xmlns:a14="http://schemas.microsoft.com/office/drawing/2010/main" w="9525">
                   <a:solidFill>
                     <a:srgbClr val="000000"/>
                   </a:solidFill>
@@ -1162,7 +1406,7 @@
             </a:ln>
             <a:extLst>
               <a:ext uri="{91240B29-F687-4f45-9708-019B960494DF}">
-                <a14:hiddenLine xmlns:a14="http://schemas.microsoft.com/office/drawing/2010/main" xmlns="" w="9525">
+                <a14:hiddenLine xmlns="" xmlns:a14="http://schemas.microsoft.com/office/drawing/2010/main" w="9525">
                   <a:solidFill>
                     <a:srgbClr val="000000"/>
                   </a:solidFill>
@@ -1272,7 +1516,7 @@
             </a:ln>
             <a:extLst>
               <a:ext uri="{91240B29-F687-4f45-9708-019B960494DF}">
-                <a14:hiddenLine xmlns:a14="http://schemas.microsoft.com/office/drawing/2010/main" xmlns="" w="9525">
+                <a14:hiddenLine xmlns="" xmlns:a14="http://schemas.microsoft.com/office/drawing/2010/main" w="9525">
                   <a:solidFill>
                     <a:srgbClr val="000000"/>
                   </a:solidFill>
@@ -1334,7 +1578,7 @@
             </a:ln>
             <a:extLst>
               <a:ext uri="{91240B29-F687-4f45-9708-019B960494DF}">
-                <a14:hiddenLine xmlns:a14="http://schemas.microsoft.com/office/drawing/2010/main" xmlns="" w="9525">
+                <a14:hiddenLine xmlns="" xmlns:a14="http://schemas.microsoft.com/office/drawing/2010/main" w="9525">
                   <a:solidFill>
                     <a:srgbClr val="000000"/>
                   </a:solidFill>
@@ -1424,7 +1668,7 @@
             </a:ln>
             <a:extLst>
               <a:ext uri="{91240B29-F687-4f45-9708-019B960494DF}">
-                <a14:hiddenLine xmlns:a14="http://schemas.microsoft.com/office/drawing/2010/main" xmlns="" w="9525">
+                <a14:hiddenLine xmlns="" xmlns:a14="http://schemas.microsoft.com/office/drawing/2010/main" w="9525">
                   <a:solidFill>
                     <a:srgbClr val="000000"/>
                   </a:solidFill>
@@ -1514,7 +1758,7 @@
             </a:ln>
             <a:extLst>
               <a:ext uri="{91240B29-F687-4f45-9708-019B960494DF}">
-                <a14:hiddenLine xmlns:a14="http://schemas.microsoft.com/office/drawing/2010/main" xmlns="" w="9525">
+                <a14:hiddenLine xmlns="" xmlns:a14="http://schemas.microsoft.com/office/drawing/2010/main" w="9525">
                   <a:solidFill>
                     <a:srgbClr val="000000"/>
                   </a:solidFill>
@@ -1576,7 +1820,7 @@
             </a:ln>
             <a:extLst>
               <a:ext uri="{91240B29-F687-4f45-9708-019B960494DF}">
-                <a14:hiddenLine xmlns:a14="http://schemas.microsoft.com/office/drawing/2010/main" xmlns="" w="9525">
+                <a14:hiddenLine xmlns="" xmlns:a14="http://schemas.microsoft.com/office/drawing/2010/main" w="9525">
                   <a:solidFill>
                     <a:srgbClr val="000000"/>
                   </a:solidFill>
@@ -1666,7 +1910,7 @@
             </a:ln>
             <a:extLst>
               <a:ext uri="{91240B29-F687-4f45-9708-019B960494DF}">
-                <a14:hiddenLine xmlns:a14="http://schemas.microsoft.com/office/drawing/2010/main" xmlns="" w="9525">
+                <a14:hiddenLine xmlns="" xmlns:a14="http://schemas.microsoft.com/office/drawing/2010/main" w="9525">
                   <a:solidFill>
                     <a:srgbClr val="000000"/>
                   </a:solidFill>
@@ -1756,7 +2000,7 @@
             </a:ln>
             <a:extLst>
               <a:ext uri="{91240B29-F687-4f45-9708-019B960494DF}">
-                <a14:hiddenLine xmlns:a14="http://schemas.microsoft.com/office/drawing/2010/main" xmlns="" w="9525">
+                <a14:hiddenLine xmlns="" xmlns:a14="http://schemas.microsoft.com/office/drawing/2010/main" w="9525">
                   <a:solidFill>
                     <a:srgbClr val="000000"/>
                   </a:solidFill>
@@ -1812,7 +2056,7 @@
             </a:ln>
             <a:extLst>
               <a:ext uri="{91240B29-F687-4f45-9708-019B960494DF}">
-                <a14:hiddenLine xmlns:a14="http://schemas.microsoft.com/office/drawing/2010/main" xmlns="" w="9525">
+                <a14:hiddenLine xmlns="" xmlns:a14="http://schemas.microsoft.com/office/drawing/2010/main" w="9525">
                   <a:solidFill>
                     <a:srgbClr val="000000"/>
                   </a:solidFill>
@@ -1902,7 +2146,7 @@
             </a:ln>
             <a:extLst>
               <a:ext uri="{91240B29-F687-4f45-9708-019B960494DF}">
-                <a14:hiddenLine xmlns:a14="http://schemas.microsoft.com/office/drawing/2010/main" xmlns="" w="9525">
+                <a14:hiddenLine xmlns="" xmlns:a14="http://schemas.microsoft.com/office/drawing/2010/main" w="9525">
                   <a:solidFill>
                     <a:srgbClr val="000000"/>
                   </a:solidFill>
@@ -1958,7 +2202,7 @@
             </a:ln>
             <a:extLst>
               <a:ext uri="{91240B29-F687-4f45-9708-019B960494DF}">
-                <a14:hiddenLine xmlns:a14="http://schemas.microsoft.com/office/drawing/2010/main" xmlns="" w="9525">
+                <a14:hiddenLine xmlns="" xmlns:a14="http://schemas.microsoft.com/office/drawing/2010/main" w="9525">
                   <a:solidFill>
                     <a:srgbClr val="000000"/>
                   </a:solidFill>
@@ -2048,7 +2292,7 @@
             </a:ln>
             <a:extLst>
               <a:ext uri="{91240B29-F687-4f45-9708-019B960494DF}">
-                <a14:hiddenLine xmlns:a14="http://schemas.microsoft.com/office/drawing/2010/main" xmlns="" w="9525">
+                <a14:hiddenLine xmlns="" xmlns:a14="http://schemas.microsoft.com/office/drawing/2010/main" w="9525">
                   <a:solidFill>
                     <a:srgbClr val="000000"/>
                   </a:solidFill>
@@ -2116,7 +2360,7 @@
             </a:ln>
             <a:extLst>
               <a:ext uri="{91240B29-F687-4f45-9708-019B960494DF}">
-                <a14:hiddenLine xmlns:a14="http://schemas.microsoft.com/office/drawing/2010/main" xmlns="" w="9525">
+                <a14:hiddenLine xmlns="" xmlns:a14="http://schemas.microsoft.com/office/drawing/2010/main" w="9525">
                   <a:solidFill>
                     <a:srgbClr val="000000"/>
                   </a:solidFill>
@@ -2206,7 +2450,7 @@
             </a:ln>
             <a:extLst>
               <a:ext uri="{91240B29-F687-4f45-9708-019B960494DF}">
-                <a14:hiddenLine xmlns:a14="http://schemas.microsoft.com/office/drawing/2010/main" xmlns="" w="9525">
+                <a14:hiddenLine xmlns="" xmlns:a14="http://schemas.microsoft.com/office/drawing/2010/main" w="9525">
                   <a:solidFill>
                     <a:srgbClr val="000000"/>
                   </a:solidFill>
@@ -2274,7 +2518,7 @@
             </a:ln>
             <a:extLst>
               <a:ext uri="{91240B29-F687-4f45-9708-019B960494DF}">
-                <a14:hiddenLine xmlns:a14="http://schemas.microsoft.com/office/drawing/2010/main" xmlns="" w="9525">
+                <a14:hiddenLine xmlns="" xmlns:a14="http://schemas.microsoft.com/office/drawing/2010/main" w="9525">
                   <a:solidFill>
                     <a:srgbClr val="000000"/>
                   </a:solidFill>
@@ -2364,7 +2608,7 @@
             </a:ln>
             <a:extLst>
               <a:ext uri="{91240B29-F687-4f45-9708-019B960494DF}">
-                <a14:hiddenLine xmlns:a14="http://schemas.microsoft.com/office/drawing/2010/main" xmlns="" w="9525">
+                <a14:hiddenLine xmlns="" xmlns:a14="http://schemas.microsoft.com/office/drawing/2010/main" w="9525">
                   <a:solidFill>
                     <a:srgbClr val="000000"/>
                   </a:solidFill>
@@ -2398,7 +2642,7 @@
             </a:ln>
             <a:extLst>
               <a:ext uri="{91240B29-F687-4f45-9708-019B960494DF}">
-                <a14:hiddenLine xmlns:a14="http://schemas.microsoft.com/office/drawing/2010/main" xmlns="" w="9525">
+                <a14:hiddenLine xmlns="" xmlns:a14="http://schemas.microsoft.com/office/drawing/2010/main" w="9525">
                   <a:solidFill>
                     <a:srgbClr val="000000"/>
                   </a:solidFill>
@@ -2488,7 +2732,7 @@
             </a:ln>
             <a:extLst>
               <a:ext uri="{91240B29-F687-4f45-9708-019B960494DF}">
-                <a14:hiddenLine xmlns:a14="http://schemas.microsoft.com/office/drawing/2010/main" xmlns="" w="9525">
+                <a14:hiddenLine xmlns="" xmlns:a14="http://schemas.microsoft.com/office/drawing/2010/main" w="9525">
                   <a:solidFill>
                     <a:srgbClr val="000000"/>
                   </a:solidFill>
@@ -2550,7 +2794,7 @@
             </a:ln>
             <a:extLst>
               <a:ext uri="{91240B29-F687-4f45-9708-019B960494DF}">
-                <a14:hiddenLine xmlns:a14="http://schemas.microsoft.com/office/drawing/2010/main" xmlns="" w="9525">
+                <a14:hiddenLine xmlns="" xmlns:a14="http://schemas.microsoft.com/office/drawing/2010/main" w="9525">
                   <a:solidFill>
                     <a:srgbClr val="000000"/>
                   </a:solidFill>
@@ -2612,7 +2856,7 @@
             </a:ln>
             <a:extLst>
               <a:ext uri="{91240B29-F687-4f45-9708-019B960494DF}">
-                <a14:hiddenLine xmlns:a14="http://schemas.microsoft.com/office/drawing/2010/main" xmlns="" w="9525">
+                <a14:hiddenLine xmlns="" xmlns:a14="http://schemas.microsoft.com/office/drawing/2010/main" w="9525">
                   <a:solidFill>
                     <a:srgbClr val="000000"/>
                   </a:solidFill>
@@ -2702,7 +2946,7 @@
             </a:ln>
             <a:extLst>
               <a:ext uri="{91240B29-F687-4f45-9708-019B960494DF}">
-                <a14:hiddenLine xmlns:a14="http://schemas.microsoft.com/office/drawing/2010/main" xmlns="" w="9525">
+                <a14:hiddenLine xmlns="" xmlns:a14="http://schemas.microsoft.com/office/drawing/2010/main" w="9525">
                   <a:solidFill>
                     <a:srgbClr val="000000"/>
                   </a:solidFill>
@@ -2770,7 +3014,7 @@
             </a:ln>
             <a:extLst>
               <a:ext uri="{91240B29-F687-4f45-9708-019B960494DF}">
-                <a14:hiddenLine xmlns:a14="http://schemas.microsoft.com/office/drawing/2010/main" xmlns="" w="9525">
+                <a14:hiddenLine xmlns="" xmlns:a14="http://schemas.microsoft.com/office/drawing/2010/main" w="9525">
                   <a:solidFill>
                     <a:srgbClr val="000000"/>
                   </a:solidFill>
@@ -2832,7 +3076,7 @@
             </a:ln>
             <a:extLst>
               <a:ext uri="{91240B29-F687-4f45-9708-019B960494DF}">
-                <a14:hiddenLine xmlns:a14="http://schemas.microsoft.com/office/drawing/2010/main" xmlns="" w="9525">
+                <a14:hiddenLine xmlns="" xmlns:a14="http://schemas.microsoft.com/office/drawing/2010/main" w="9525">
                   <a:solidFill>
                     <a:srgbClr val="000000"/>
                   </a:solidFill>
@@ -2922,7 +3166,7 @@
             </a:ln>
             <a:extLst>
               <a:ext uri="{91240B29-F687-4f45-9708-019B960494DF}">
-                <a14:hiddenLine xmlns:a14="http://schemas.microsoft.com/office/drawing/2010/main" xmlns="" w="9525">
+                <a14:hiddenLine xmlns="" xmlns:a14="http://schemas.microsoft.com/office/drawing/2010/main" w="9525">
                   <a:solidFill>
                     <a:srgbClr val="000000"/>
                   </a:solidFill>
@@ -2984,7 +3228,7 @@
             </a:ln>
             <a:extLst>
               <a:ext uri="{91240B29-F687-4f45-9708-019B960494DF}">
-                <a14:hiddenLine xmlns:a14="http://schemas.microsoft.com/office/drawing/2010/main" xmlns="" w="9525">
+                <a14:hiddenLine xmlns="" xmlns:a14="http://schemas.microsoft.com/office/drawing/2010/main" w="9525">
                   <a:solidFill>
                     <a:srgbClr val="000000"/>
                   </a:solidFill>
@@ -3074,7 +3318,7 @@
             </a:ln>
             <a:extLst>
               <a:ext uri="{91240B29-F687-4f45-9708-019B960494DF}">
-                <a14:hiddenLine xmlns:a14="http://schemas.microsoft.com/office/drawing/2010/main" xmlns="" w="9525">
+                <a14:hiddenLine xmlns="" xmlns:a14="http://schemas.microsoft.com/office/drawing/2010/main" w="9525">
                   <a:solidFill>
                     <a:srgbClr val="000000"/>
                   </a:solidFill>
@@ -3136,7 +3380,7 @@
             </a:ln>
             <a:extLst>
               <a:ext uri="{91240B29-F687-4f45-9708-019B960494DF}">
-                <a14:hiddenLine xmlns:a14="http://schemas.microsoft.com/office/drawing/2010/main" xmlns="" w="9525">
+                <a14:hiddenLine xmlns="" xmlns:a14="http://schemas.microsoft.com/office/drawing/2010/main" w="9525">
                   <a:solidFill>
                     <a:srgbClr val="000000"/>
                   </a:solidFill>
@@ -3226,7 +3470,7 @@
             </a:ln>
             <a:extLst>
               <a:ext uri="{91240B29-F687-4f45-9708-019B960494DF}">
-                <a14:hiddenLine xmlns:a14="http://schemas.microsoft.com/office/drawing/2010/main" xmlns="" w="9525">
+                <a14:hiddenLine xmlns="" xmlns:a14="http://schemas.microsoft.com/office/drawing/2010/main" w="9525">
                   <a:solidFill>
                     <a:srgbClr val="000000"/>
                   </a:solidFill>
@@ -3260,7 +3504,7 @@
             </a:ln>
             <a:extLst>
               <a:ext uri="{91240B29-F687-4f45-9708-019B960494DF}">
-                <a14:hiddenLine xmlns:a14="http://schemas.microsoft.com/office/drawing/2010/main" xmlns="" w="9525">
+                <a14:hiddenLine xmlns="" xmlns:a14="http://schemas.microsoft.com/office/drawing/2010/main" w="9525">
                   <a:solidFill>
                     <a:srgbClr val="000000"/>
                   </a:solidFill>
@@ -3325,7 +3569,7 @@
             </a:ln>
             <a:extLst>
               <a:ext uri="{91240B29-F687-4f45-9708-019B960494DF}">
-                <a14:hiddenLine xmlns:a14="http://schemas.microsoft.com/office/drawing/2010/main" xmlns="" w="9525">
+                <a14:hiddenLine xmlns="" xmlns:a14="http://schemas.microsoft.com/office/drawing/2010/main" w="9525">
                   <a:solidFill>
                     <a:srgbClr val="000000"/>
                   </a:solidFill>
@@ -3415,7 +3659,7 @@
             </a:ln>
             <a:extLst>
               <a:ext uri="{91240B29-F687-4f45-9708-019B960494DF}">
-                <a14:hiddenLine xmlns:a14="http://schemas.microsoft.com/office/drawing/2010/main" xmlns="" w="9525">
+                <a14:hiddenLine xmlns="" xmlns:a14="http://schemas.microsoft.com/office/drawing/2010/main" w="9525">
                   <a:solidFill>
                     <a:srgbClr val="000000"/>
                   </a:solidFill>
@@ -3477,7 +3721,7 @@
             </a:ln>
             <a:extLst>
               <a:ext uri="{91240B29-F687-4f45-9708-019B960494DF}">
-                <a14:hiddenLine xmlns:a14="http://schemas.microsoft.com/office/drawing/2010/main" xmlns="" w="9525">
+                <a14:hiddenLine xmlns="" xmlns:a14="http://schemas.microsoft.com/office/drawing/2010/main" w="9525">
                   <a:solidFill>
                     <a:srgbClr val="000000"/>
                   </a:solidFill>
@@ -3567,7 +3811,7 @@
             </a:ln>
             <a:extLst>
               <a:ext uri="{91240B29-F687-4f45-9708-019B960494DF}">
-                <a14:hiddenLine xmlns:a14="http://schemas.microsoft.com/office/drawing/2010/main" xmlns="" w="9525">
+                <a14:hiddenLine xmlns="" xmlns:a14="http://schemas.microsoft.com/office/drawing/2010/main" w="9525">
                   <a:solidFill>
                     <a:srgbClr val="000000"/>
                   </a:solidFill>
@@ -3657,7 +3901,7 @@
             </a:ln>
             <a:extLst>
               <a:ext uri="{91240B29-F687-4f45-9708-019B960494DF}">
-                <a14:hiddenLine xmlns:a14="http://schemas.microsoft.com/office/drawing/2010/main" xmlns="" w="9525">
+                <a14:hiddenLine xmlns="" xmlns:a14="http://schemas.microsoft.com/office/drawing/2010/main" w="9525">
                   <a:solidFill>
                     <a:srgbClr val="000000"/>
                   </a:solidFill>
@@ -3722,7 +3966,7 @@
             </a:ln>
             <a:extLst>
               <a:ext uri="{91240B29-F687-4f45-9708-019B960494DF}">
-                <a14:hiddenLine xmlns:a14="http://schemas.microsoft.com/office/drawing/2010/main" xmlns="" w="9525">
+                <a14:hiddenLine xmlns="" xmlns:a14="http://schemas.microsoft.com/office/drawing/2010/main" w="9525">
                   <a:solidFill>
                     <a:srgbClr val="000000"/>
                   </a:solidFill>
@@ -3784,7 +4028,7 @@
             </a:ln>
             <a:extLst>
               <a:ext uri="{91240B29-F687-4f45-9708-019B960494DF}">
-                <a14:hiddenLine xmlns:a14="http://schemas.microsoft.com/office/drawing/2010/main" xmlns="" w="9525">
+                <a14:hiddenLine xmlns="" xmlns:a14="http://schemas.microsoft.com/office/drawing/2010/main" w="9525">
                   <a:solidFill>
                     <a:srgbClr val="000000"/>
                   </a:solidFill>
@@ -3874,7 +4118,7 @@
             </a:ln>
             <a:extLst>
               <a:ext uri="{91240B29-F687-4f45-9708-019B960494DF}">
-                <a14:hiddenLine xmlns:a14="http://schemas.microsoft.com/office/drawing/2010/main" xmlns="" w="9525">
+                <a14:hiddenLine xmlns="" xmlns:a14="http://schemas.microsoft.com/office/drawing/2010/main" w="9525">
                   <a:solidFill>
                     <a:srgbClr val="000000"/>
                   </a:solidFill>
@@ -3964,7 +4208,7 @@
             </a:ln>
             <a:extLst>
               <a:ext uri="{91240B29-F687-4f45-9708-019B960494DF}">
-                <a14:hiddenLine xmlns:a14="http://schemas.microsoft.com/office/drawing/2010/main" xmlns="" w="9525">
+                <a14:hiddenLine xmlns="" xmlns:a14="http://schemas.microsoft.com/office/drawing/2010/main" w="9525">
                   <a:solidFill>
                     <a:srgbClr val="000000"/>
                   </a:solidFill>
@@ -4026,7 +4270,7 @@
             </a:ln>
             <a:extLst>
               <a:ext uri="{91240B29-F687-4f45-9708-019B960494DF}">
-                <a14:hiddenLine xmlns:a14="http://schemas.microsoft.com/office/drawing/2010/main" xmlns="" w="9525">
+                <a14:hiddenLine xmlns="" xmlns:a14="http://schemas.microsoft.com/office/drawing/2010/main" w="9525">
                   <a:solidFill>
                     <a:srgbClr val="000000"/>
                   </a:solidFill>
@@ -4146,7 +4390,7 @@
             </a:ln>
             <a:extLst>
               <a:ext uri="{91240B29-F687-4f45-9708-019B960494DF}">
-                <a14:hiddenLine xmlns:a14="http://schemas.microsoft.com/office/drawing/2010/main" xmlns="" w="9525">
+                <a14:hiddenLine xmlns="" xmlns:a14="http://schemas.microsoft.com/office/drawing/2010/main" w="9525">
                   <a:solidFill>
                     <a:srgbClr val="000000"/>
                   </a:solidFill>
@@ -4214,7 +4458,7 @@
             </a:ln>
             <a:extLst>
               <a:ext uri="{91240B29-F687-4f45-9708-019B960494DF}">
-                <a14:hiddenLine xmlns:a14="http://schemas.microsoft.com/office/drawing/2010/main" xmlns="" w="9525">
+                <a14:hiddenLine xmlns="" xmlns:a14="http://schemas.microsoft.com/office/drawing/2010/main" w="9525">
                   <a:solidFill>
                     <a:srgbClr val="000000"/>
                   </a:solidFill>
@@ -4304,7 +4548,7 @@
             </a:ln>
             <a:extLst>
               <a:ext uri="{91240B29-F687-4f45-9708-019B960494DF}">
-                <a14:hiddenLine xmlns:a14="http://schemas.microsoft.com/office/drawing/2010/main" xmlns="" w="9525">
+                <a14:hiddenLine xmlns="" xmlns:a14="http://schemas.microsoft.com/office/drawing/2010/main" w="9525">
                   <a:solidFill>
                     <a:srgbClr val="000000"/>
                   </a:solidFill>
@@ -4444,7 +4688,7 @@
           <a:p>
             <a:fld id="{5BCAD085-E8A6-8845-BD4E-CB4CCA059FC4}" type="datetimeFigureOut">
               <a:rPr lang="en-US" smtClean="0"/>
-              <a:t>7/18/2025</a:t>
+              <a:t>7/25/2025</a:t>
             </a:fld>
             <a:endParaRPr lang="en-US"/>
           </a:p>
@@ -4711,7 +4955,7 @@
           <a:p>
             <a:fld id="{5BCAD085-E8A6-8845-BD4E-CB4CCA059FC4}" type="datetimeFigureOut">
               <a:rPr lang="en-US" smtClean="0"/>
-              <a:t>7/18/2025</a:t>
+              <a:t>7/25/2025</a:t>
             </a:fld>
             <a:endParaRPr lang="en-US"/>
           </a:p>
@@ -4907,7 +5151,7 @@
           <a:p>
             <a:fld id="{5BCAD085-E8A6-8845-BD4E-CB4CCA059FC4}" type="datetimeFigureOut">
               <a:rPr lang="en-US" smtClean="0"/>
-              <a:t>7/18/2025</a:t>
+              <a:t>7/25/2025</a:t>
             </a:fld>
             <a:endParaRPr lang="en-US"/>
           </a:p>
@@ -5170,7 +5414,7 @@
           <a:p>
             <a:fld id="{5BCAD085-E8A6-8845-BD4E-CB4CCA059FC4}" type="datetimeFigureOut">
               <a:rPr lang="en-US" smtClean="0"/>
-              <a:t>7/18/2025</a:t>
+              <a:t>7/25/2025</a:t>
             </a:fld>
             <a:endParaRPr lang="en-US"/>
           </a:p>
@@ -5604,7 +5848,7 @@
           <a:p>
             <a:fld id="{5BCAD085-E8A6-8845-BD4E-CB4CCA059FC4}" type="datetimeFigureOut">
               <a:rPr lang="en-US" smtClean="0"/>
-              <a:t>7/18/2025</a:t>
+              <a:t>7/25/2025</a:t>
             </a:fld>
             <a:endParaRPr lang="en-US"/>
           </a:p>
@@ -6150,7 +6394,7 @@
           <a:p>
             <a:fld id="{5BCAD085-E8A6-8845-BD4E-CB4CCA059FC4}" type="datetimeFigureOut">
               <a:rPr lang="en-US" smtClean="0"/>
-              <a:t>7/18/2025</a:t>
+              <a:t>7/25/2025</a:t>
             </a:fld>
             <a:endParaRPr lang="en-US"/>
           </a:p>
@@ -6870,7 +7114,7 @@
           <a:p>
             <a:fld id="{5BCAD085-E8A6-8845-BD4E-CB4CCA059FC4}" type="datetimeFigureOut">
               <a:rPr lang="en-US" smtClean="0"/>
-              <a:t>7/18/2025</a:t>
+              <a:t>7/25/2025</a:t>
             </a:fld>
             <a:endParaRPr lang="en-US"/>
           </a:p>
@@ -7040,7 +7284,7 @@
           <a:p>
             <a:fld id="{5BCAD085-E8A6-8845-BD4E-CB4CCA059FC4}" type="datetimeFigureOut">
               <a:rPr lang="en-US" smtClean="0"/>
-              <a:t>7/18/2025</a:t>
+              <a:t>7/25/2025</a:t>
             </a:fld>
             <a:endParaRPr lang="en-US"/>
           </a:p>
@@ -7220,7 +7464,7 @@
           <a:p>
             <a:fld id="{5BCAD085-E8A6-8845-BD4E-CB4CCA059FC4}" type="datetimeFigureOut">
               <a:rPr lang="en-US" smtClean="0"/>
-              <a:t>7/18/2025</a:t>
+              <a:t>7/25/2025</a:t>
             </a:fld>
             <a:endParaRPr lang="en-US"/>
           </a:p>
@@ -7390,7 +7634,7 @@
           <a:p>
             <a:fld id="{5BCAD085-E8A6-8845-BD4E-CB4CCA059FC4}" type="datetimeFigureOut">
               <a:rPr lang="en-US" smtClean="0"/>
-              <a:t>7/18/2025</a:t>
+              <a:t>7/25/2025</a:t>
             </a:fld>
             <a:endParaRPr lang="en-US"/>
           </a:p>
@@ -7640,7 +7884,7 @@
           <a:p>
             <a:fld id="{5BCAD085-E8A6-8845-BD4E-CB4CCA059FC4}" type="datetimeFigureOut">
               <a:rPr lang="en-US" smtClean="0"/>
-              <a:t>7/18/2025</a:t>
+              <a:t>7/25/2025</a:t>
             </a:fld>
             <a:endParaRPr lang="en-US"/>
           </a:p>
@@ -7872,7 +8116,7 @@
           <a:p>
             <a:fld id="{5BCAD085-E8A6-8845-BD4E-CB4CCA059FC4}" type="datetimeFigureOut">
               <a:rPr lang="en-US" smtClean="0"/>
-              <a:t>7/18/2025</a:t>
+              <a:t>7/25/2025</a:t>
             </a:fld>
             <a:endParaRPr lang="en-US"/>
           </a:p>
@@ -8253,7 +8497,7 @@
           <a:p>
             <a:fld id="{5BCAD085-E8A6-8845-BD4E-CB4CCA059FC4}" type="datetimeFigureOut">
               <a:rPr lang="en-US" smtClean="0"/>
-              <a:t>7/18/2025</a:t>
+              <a:t>7/25/2025</a:t>
             </a:fld>
             <a:endParaRPr lang="en-US"/>
           </a:p>
@@ -8371,7 +8615,7 @@
           <a:p>
             <a:fld id="{5BCAD085-E8A6-8845-BD4E-CB4CCA059FC4}" type="datetimeFigureOut">
               <a:rPr lang="en-US" smtClean="0"/>
-              <a:t>7/18/2025</a:t>
+              <a:t>7/25/2025</a:t>
             </a:fld>
             <a:endParaRPr lang="en-US"/>
           </a:p>
@@ -8466,7 +8710,7 @@
           <a:p>
             <a:fld id="{5BCAD085-E8A6-8845-BD4E-CB4CCA059FC4}" type="datetimeFigureOut">
               <a:rPr lang="en-US" smtClean="0"/>
-              <a:t>7/18/2025</a:t>
+              <a:t>7/25/2025</a:t>
             </a:fld>
             <a:endParaRPr lang="en-US"/>
           </a:p>
@@ -8715,7 +8959,7 @@
           <a:p>
             <a:fld id="{5BCAD085-E8A6-8845-BD4E-CB4CCA059FC4}" type="datetimeFigureOut">
               <a:rPr lang="en-US" smtClean="0"/>
-              <a:t>7/18/2025</a:t>
+              <a:t>7/25/2025</a:t>
             </a:fld>
             <a:endParaRPr lang="en-US"/>
           </a:p>
@@ -8995,7 +9239,7 @@
           <a:p>
             <a:fld id="{5BCAD085-E8A6-8845-BD4E-CB4CCA059FC4}" type="datetimeFigureOut">
               <a:rPr lang="en-US" smtClean="0"/>
-              <a:t>7/18/2025</a:t>
+              <a:t>7/25/2025</a:t>
             </a:fld>
             <a:endParaRPr lang="en-US"/>
           </a:p>
@@ -9111,7 +9355,7 @@
           <a:noFill/>
           <a:extLst>
             <a:ext uri="{909E8E84-426E-40dd-AFC4-6F175D3DCCD1}">
-              <a14:hiddenFill xmlns:a14="http://schemas.microsoft.com/office/drawing/2010/main" xmlns="">
+              <a14:hiddenFill xmlns="" xmlns:a14="http://schemas.microsoft.com/office/drawing/2010/main">
                 <a:solidFill>
                   <a:srgbClr val="FFFFFF"/>
                 </a:solidFill>
@@ -9185,7 +9429,7 @@
               </a:ln>
               <a:extLst>
                 <a:ext uri="{91240B29-F687-4f45-9708-019B960494DF}">
-                  <a14:hiddenLine xmlns:a14="http://schemas.microsoft.com/office/drawing/2010/main" xmlns="" w="9525">
+                  <a14:hiddenLine xmlns="" xmlns:a14="http://schemas.microsoft.com/office/drawing/2010/main" w="9525">
                     <a:solidFill>
                       <a:srgbClr val="000000"/>
                     </a:solidFill>
@@ -9275,7 +9519,7 @@
               </a:ln>
               <a:extLst>
                 <a:ext uri="{91240B29-F687-4f45-9708-019B960494DF}">
-                  <a14:hiddenLine xmlns:a14="http://schemas.microsoft.com/office/drawing/2010/main" xmlns="" w="9525">
+                  <a14:hiddenLine xmlns="" xmlns:a14="http://schemas.microsoft.com/office/drawing/2010/main" w="9525">
                     <a:solidFill>
                       <a:srgbClr val="000000"/>
                     </a:solidFill>
@@ -9365,7 +9609,7 @@
               </a:ln>
               <a:extLst>
                 <a:ext uri="{91240B29-F687-4f45-9708-019B960494DF}">
-                  <a14:hiddenLine xmlns:a14="http://schemas.microsoft.com/office/drawing/2010/main" xmlns="" w="9525">
+                  <a14:hiddenLine xmlns="" xmlns:a14="http://schemas.microsoft.com/office/drawing/2010/main" w="9525">
                     <a:solidFill>
                       <a:srgbClr val="000000"/>
                     </a:solidFill>
@@ -9427,7 +9671,7 @@
               </a:ln>
               <a:extLst>
                 <a:ext uri="{91240B29-F687-4f45-9708-019B960494DF}">
-                  <a14:hiddenLine xmlns:a14="http://schemas.microsoft.com/office/drawing/2010/main" xmlns="" w="9525">
+                  <a14:hiddenLine xmlns="" xmlns:a14="http://schemas.microsoft.com/office/drawing/2010/main" w="9525">
                     <a:solidFill>
                       <a:srgbClr val="000000"/>
                     </a:solidFill>
@@ -9517,7 +9761,7 @@
               </a:ln>
               <a:extLst>
                 <a:ext uri="{91240B29-F687-4f45-9708-019B960494DF}">
-                  <a14:hiddenLine xmlns:a14="http://schemas.microsoft.com/office/drawing/2010/main" xmlns="" w="9525">
+                  <a14:hiddenLine xmlns="" xmlns:a14="http://schemas.microsoft.com/office/drawing/2010/main" w="9525">
                     <a:solidFill>
                       <a:srgbClr val="000000"/>
                     </a:solidFill>
@@ -9579,7 +9823,7 @@
               </a:ln>
               <a:extLst>
                 <a:ext uri="{91240B29-F687-4f45-9708-019B960494DF}">
-                  <a14:hiddenLine xmlns:a14="http://schemas.microsoft.com/office/drawing/2010/main" xmlns="" w="9525">
+                  <a14:hiddenLine xmlns="" xmlns:a14="http://schemas.microsoft.com/office/drawing/2010/main" w="9525">
                     <a:solidFill>
                       <a:srgbClr val="000000"/>
                     </a:solidFill>
@@ -9641,7 +9885,7 @@
               </a:ln>
               <a:extLst>
                 <a:ext uri="{91240B29-F687-4f45-9708-019B960494DF}">
-                  <a14:hiddenLine xmlns:a14="http://schemas.microsoft.com/office/drawing/2010/main" xmlns="" w="9525">
+                  <a14:hiddenLine xmlns="" xmlns:a14="http://schemas.microsoft.com/office/drawing/2010/main" w="9525">
                     <a:solidFill>
                       <a:srgbClr val="000000"/>
                     </a:solidFill>
@@ -9731,7 +9975,7 @@
               </a:ln>
               <a:extLst>
                 <a:ext uri="{91240B29-F687-4f45-9708-019B960494DF}">
-                  <a14:hiddenLine xmlns:a14="http://schemas.microsoft.com/office/drawing/2010/main" xmlns="" w="9525">
+                  <a14:hiddenLine xmlns="" xmlns:a14="http://schemas.microsoft.com/office/drawing/2010/main" w="9525">
                     <a:solidFill>
                       <a:srgbClr val="000000"/>
                     </a:solidFill>
@@ -9821,7 +10065,7 @@
               </a:ln>
               <a:extLst>
                 <a:ext uri="{91240B29-F687-4f45-9708-019B960494DF}">
-                  <a14:hiddenLine xmlns:a14="http://schemas.microsoft.com/office/drawing/2010/main" xmlns="" w="9525">
+                  <a14:hiddenLine xmlns="" xmlns:a14="http://schemas.microsoft.com/office/drawing/2010/main" w="9525">
                     <a:solidFill>
                       <a:srgbClr val="000000"/>
                     </a:solidFill>
@@ -9883,7 +10127,7 @@
               </a:ln>
               <a:extLst>
                 <a:ext uri="{91240B29-F687-4f45-9708-019B960494DF}">
-                  <a14:hiddenLine xmlns:a14="http://schemas.microsoft.com/office/drawing/2010/main" xmlns="" w="9525">
+                  <a14:hiddenLine xmlns="" xmlns:a14="http://schemas.microsoft.com/office/drawing/2010/main" w="9525">
                     <a:solidFill>
                       <a:srgbClr val="000000"/>
                     </a:solidFill>
@@ -9993,7 +10237,7 @@
               </a:ln>
               <a:extLst>
                 <a:ext uri="{91240B29-F687-4f45-9708-019B960494DF}">
-                  <a14:hiddenLine xmlns:a14="http://schemas.microsoft.com/office/drawing/2010/main" xmlns="" w="9525">
+                  <a14:hiddenLine xmlns="" xmlns:a14="http://schemas.microsoft.com/office/drawing/2010/main" w="9525">
                     <a:solidFill>
                       <a:srgbClr val="000000"/>
                     </a:solidFill>
@@ -10077,7 +10321,7 @@
               </a:ln>
               <a:extLst>
                 <a:ext uri="{91240B29-F687-4f45-9708-019B960494DF}">
-                  <a14:hiddenLine xmlns:a14="http://schemas.microsoft.com/office/drawing/2010/main" xmlns="" w="9525">
+                  <a14:hiddenLine xmlns="" xmlns:a14="http://schemas.microsoft.com/office/drawing/2010/main" w="9525">
                     <a:solidFill>
                       <a:srgbClr val="000000"/>
                     </a:solidFill>
@@ -10139,7 +10383,7 @@
               </a:ln>
               <a:extLst>
                 <a:ext uri="{91240B29-F687-4f45-9708-019B960494DF}">
-                  <a14:hiddenLine xmlns:a14="http://schemas.microsoft.com/office/drawing/2010/main" xmlns="" w="9525">
+                  <a14:hiddenLine xmlns="" xmlns:a14="http://schemas.microsoft.com/office/drawing/2010/main" w="9525">
                     <a:solidFill>
                       <a:srgbClr val="000000"/>
                     </a:solidFill>
@@ -10201,7 +10445,7 @@
               </a:ln>
               <a:extLst>
                 <a:ext uri="{91240B29-F687-4f45-9708-019B960494DF}">
-                  <a14:hiddenLine xmlns:a14="http://schemas.microsoft.com/office/drawing/2010/main" xmlns="" w="9525">
+                  <a14:hiddenLine xmlns="" xmlns:a14="http://schemas.microsoft.com/office/drawing/2010/main" w="9525">
                     <a:solidFill>
                       <a:srgbClr val="000000"/>
                     </a:solidFill>
@@ -10291,7 +10535,7 @@
               </a:ln>
               <a:extLst>
                 <a:ext uri="{91240B29-F687-4f45-9708-019B960494DF}">
-                  <a14:hiddenLine xmlns:a14="http://schemas.microsoft.com/office/drawing/2010/main" xmlns="" w="9525">
+                  <a14:hiddenLine xmlns="" xmlns:a14="http://schemas.microsoft.com/office/drawing/2010/main" w="9525">
                     <a:solidFill>
                       <a:srgbClr val="000000"/>
                     </a:solidFill>
@@ -10325,7 +10569,7 @@
               </a:ln>
               <a:extLst>
                 <a:ext uri="{91240B29-F687-4f45-9708-019B960494DF}">
-                  <a14:hiddenLine xmlns:a14="http://schemas.microsoft.com/office/drawing/2010/main" xmlns="" w="9525">
+                  <a14:hiddenLine xmlns="" xmlns:a14="http://schemas.microsoft.com/office/drawing/2010/main" w="9525">
                     <a:solidFill>
                       <a:srgbClr val="000000"/>
                     </a:solidFill>
@@ -10390,7 +10634,7 @@
               </a:ln>
               <a:extLst>
                 <a:ext uri="{91240B29-F687-4f45-9708-019B960494DF}">
-                  <a14:hiddenLine xmlns:a14="http://schemas.microsoft.com/office/drawing/2010/main" xmlns="" w="9525">
+                  <a14:hiddenLine xmlns="" xmlns:a14="http://schemas.microsoft.com/office/drawing/2010/main" w="9525">
                     <a:solidFill>
                       <a:srgbClr val="000000"/>
                     </a:solidFill>
@@ -10480,7 +10724,7 @@
               </a:ln>
               <a:extLst>
                 <a:ext uri="{91240B29-F687-4f45-9708-019B960494DF}">
-                  <a14:hiddenLine xmlns:a14="http://schemas.microsoft.com/office/drawing/2010/main" xmlns="" w="9525">
+                  <a14:hiddenLine xmlns="" xmlns:a14="http://schemas.microsoft.com/office/drawing/2010/main" w="9525">
                     <a:solidFill>
                       <a:srgbClr val="000000"/>
                     </a:solidFill>
@@ -10542,7 +10786,7 @@
               </a:ln>
               <a:extLst>
                 <a:ext uri="{91240B29-F687-4f45-9708-019B960494DF}">
-                  <a14:hiddenLine xmlns:a14="http://schemas.microsoft.com/office/drawing/2010/main" xmlns="" w="9525">
+                  <a14:hiddenLine xmlns="" xmlns:a14="http://schemas.microsoft.com/office/drawing/2010/main" w="9525">
                     <a:solidFill>
                       <a:srgbClr val="000000"/>
                     </a:solidFill>
@@ -10632,7 +10876,7 @@
               </a:ln>
               <a:extLst>
                 <a:ext uri="{91240B29-F687-4f45-9708-019B960494DF}">
-                  <a14:hiddenLine xmlns:a14="http://schemas.microsoft.com/office/drawing/2010/main" xmlns="" w="9525">
+                  <a14:hiddenLine xmlns="" xmlns:a14="http://schemas.microsoft.com/office/drawing/2010/main" w="9525">
                     <a:solidFill>
                       <a:srgbClr val="000000"/>
                     </a:solidFill>
@@ -10697,7 +10941,7 @@
               </a:ln>
               <a:extLst>
                 <a:ext uri="{91240B29-F687-4f45-9708-019B960494DF}">
-                  <a14:hiddenLine xmlns:a14="http://schemas.microsoft.com/office/drawing/2010/main" xmlns="" w="9525">
+                  <a14:hiddenLine xmlns="" xmlns:a14="http://schemas.microsoft.com/office/drawing/2010/main" w="9525">
                     <a:solidFill>
                       <a:srgbClr val="000000"/>
                     </a:solidFill>
@@ -10759,7 +11003,7 @@
               </a:ln>
               <a:extLst>
                 <a:ext uri="{91240B29-F687-4f45-9708-019B960494DF}">
-                  <a14:hiddenLine xmlns:a14="http://schemas.microsoft.com/office/drawing/2010/main" xmlns="" w="9525">
+                  <a14:hiddenLine xmlns="" xmlns:a14="http://schemas.microsoft.com/office/drawing/2010/main" w="9525">
                     <a:solidFill>
                       <a:srgbClr val="000000"/>
                     </a:solidFill>
@@ -10849,7 +11093,7 @@
               </a:ln>
               <a:extLst>
                 <a:ext uri="{91240B29-F687-4f45-9708-019B960494DF}">
-                  <a14:hiddenLine xmlns:a14="http://schemas.microsoft.com/office/drawing/2010/main" xmlns="" w="9525">
+                  <a14:hiddenLine xmlns="" xmlns:a14="http://schemas.microsoft.com/office/drawing/2010/main" w="9525">
                     <a:solidFill>
                       <a:srgbClr val="000000"/>
                     </a:solidFill>
@@ -10939,7 +11183,7 @@
               </a:ln>
               <a:extLst>
                 <a:ext uri="{91240B29-F687-4f45-9708-019B960494DF}">
-                  <a14:hiddenLine xmlns:a14="http://schemas.microsoft.com/office/drawing/2010/main" xmlns="" w="9525">
+                  <a14:hiddenLine xmlns="" xmlns:a14="http://schemas.microsoft.com/office/drawing/2010/main" w="9525">
                     <a:solidFill>
                       <a:srgbClr val="000000"/>
                     </a:solidFill>
@@ -11004,7 +11248,7 @@
               </a:ln>
               <a:extLst>
                 <a:ext uri="{91240B29-F687-4f45-9708-019B960494DF}">
-                  <a14:hiddenLine xmlns:a14="http://schemas.microsoft.com/office/drawing/2010/main" xmlns="" w="9525">
+                  <a14:hiddenLine xmlns="" xmlns:a14="http://schemas.microsoft.com/office/drawing/2010/main" w="9525">
                     <a:solidFill>
                       <a:srgbClr val="000000"/>
                     </a:solidFill>
@@ -11124,7 +11368,7 @@
               </a:ln>
               <a:extLst>
                 <a:ext uri="{91240B29-F687-4f45-9708-019B960494DF}">
-                  <a14:hiddenLine xmlns:a14="http://schemas.microsoft.com/office/drawing/2010/main" xmlns="" w="9525">
+                  <a14:hiddenLine xmlns="" xmlns:a14="http://schemas.microsoft.com/office/drawing/2010/main" w="9525">
                     <a:solidFill>
                       <a:srgbClr val="000000"/>
                     </a:solidFill>
@@ -11222,7 +11466,7 @@
               </a:ln>
               <a:extLst>
                 <a:ext uri="{91240B29-F687-4f45-9708-019B960494DF}">
-                  <a14:hiddenLine xmlns:a14="http://schemas.microsoft.com/office/drawing/2010/main" xmlns="" w="9525">
+                  <a14:hiddenLine xmlns="" xmlns:a14="http://schemas.microsoft.com/office/drawing/2010/main" w="9525">
                     <a:solidFill>
                       <a:srgbClr val="000000"/>
                     </a:solidFill>
@@ -11337,7 +11581,7 @@
               </a:ln>
               <a:extLst>
                 <a:ext uri="{91240B29-F687-4f45-9708-019B960494DF}">
-                  <a14:hiddenLine xmlns:a14="http://schemas.microsoft.com/office/drawing/2010/main" xmlns="" w="9525">
+                  <a14:hiddenLine xmlns="" xmlns:a14="http://schemas.microsoft.com/office/drawing/2010/main" w="9525">
                     <a:solidFill>
                       <a:srgbClr val="000000"/>
                     </a:solidFill>
@@ -11427,7 +11671,7 @@
               </a:ln>
               <a:extLst>
                 <a:ext uri="{91240B29-F687-4f45-9708-019B960494DF}">
-                  <a14:hiddenLine xmlns:a14="http://schemas.microsoft.com/office/drawing/2010/main" xmlns="" w="9525">
+                  <a14:hiddenLine xmlns="" xmlns:a14="http://schemas.microsoft.com/office/drawing/2010/main" w="9525">
                     <a:solidFill>
                       <a:srgbClr val="000000"/>
                     </a:solidFill>
@@ -11492,7 +11736,7 @@
               </a:ln>
               <a:extLst>
                 <a:ext uri="{91240B29-F687-4f45-9708-019B960494DF}">
-                  <a14:hiddenLine xmlns:a14="http://schemas.microsoft.com/office/drawing/2010/main" xmlns="" w="9525">
+                  <a14:hiddenLine xmlns="" xmlns:a14="http://schemas.microsoft.com/office/drawing/2010/main" w="9525">
                     <a:solidFill>
                       <a:srgbClr val="000000"/>
                     </a:solidFill>
@@ -11582,7 +11826,7 @@
               </a:ln>
               <a:extLst>
                 <a:ext uri="{91240B29-F687-4f45-9708-019B960494DF}">
-                  <a14:hiddenLine xmlns:a14="http://schemas.microsoft.com/office/drawing/2010/main" xmlns="" w="9525">
+                  <a14:hiddenLine xmlns="" xmlns:a14="http://schemas.microsoft.com/office/drawing/2010/main" w="9525">
                     <a:solidFill>
                       <a:srgbClr val="000000"/>
                     </a:solidFill>
@@ -11650,7 +11894,7 @@
               </a:ln>
               <a:extLst>
                 <a:ext uri="{91240B29-F687-4f45-9708-019B960494DF}">
-                  <a14:hiddenLine xmlns:a14="http://schemas.microsoft.com/office/drawing/2010/main" xmlns="" w="9525">
+                  <a14:hiddenLine xmlns="" xmlns:a14="http://schemas.microsoft.com/office/drawing/2010/main" w="9525">
                     <a:solidFill>
                       <a:srgbClr val="000000"/>
                     </a:solidFill>
@@ -11740,7 +11984,7 @@
               </a:ln>
               <a:extLst>
                 <a:ext uri="{91240B29-F687-4f45-9708-019B960494DF}">
-                  <a14:hiddenLine xmlns:a14="http://schemas.microsoft.com/office/drawing/2010/main" xmlns="" w="9525">
+                  <a14:hiddenLine xmlns="" xmlns:a14="http://schemas.microsoft.com/office/drawing/2010/main" w="9525">
                     <a:solidFill>
                       <a:srgbClr val="000000"/>
                     </a:solidFill>
@@ -11808,7 +12052,7 @@
               </a:ln>
               <a:extLst>
                 <a:ext uri="{91240B29-F687-4f45-9708-019B960494DF}">
-                  <a14:hiddenLine xmlns:a14="http://schemas.microsoft.com/office/drawing/2010/main" xmlns="" w="9525">
+                  <a14:hiddenLine xmlns="" xmlns:a14="http://schemas.microsoft.com/office/drawing/2010/main" w="9525">
                     <a:solidFill>
                       <a:srgbClr val="000000"/>
                     </a:solidFill>
@@ -11898,7 +12142,7 @@
               </a:ln>
               <a:extLst>
                 <a:ext uri="{91240B29-F687-4f45-9708-019B960494DF}">
-                  <a14:hiddenLine xmlns:a14="http://schemas.microsoft.com/office/drawing/2010/main" xmlns="" w="9525">
+                  <a14:hiddenLine xmlns="" xmlns:a14="http://schemas.microsoft.com/office/drawing/2010/main" w="9525">
                     <a:solidFill>
                       <a:srgbClr val="000000"/>
                     </a:solidFill>
@@ -11932,7 +12176,7 @@
               </a:ln>
               <a:extLst>
                 <a:ext uri="{91240B29-F687-4f45-9708-019B960494DF}">
-                  <a14:hiddenLine xmlns:a14="http://schemas.microsoft.com/office/drawing/2010/main" xmlns="" w="9525">
+                  <a14:hiddenLine xmlns="" xmlns:a14="http://schemas.microsoft.com/office/drawing/2010/main" w="9525">
                     <a:solidFill>
                       <a:srgbClr val="000000"/>
                     </a:solidFill>
@@ -12072,7 +12316,7 @@
           <a:p>
             <a:fld id="{5BCAD085-E8A6-8845-BD4E-CB4CCA059FC4}" type="datetimeFigureOut">
               <a:rPr lang="en-US" smtClean="0"/>
-              <a:t>7/18/2025</a:t>
+              <a:t>7/25/2025</a:t>
             </a:fld>
             <a:endParaRPr lang="en-US"/>
           </a:p>
@@ -12506,6 +12750,36 @@
           <a:chExt cx="0" cy="0"/>
         </a:xfrm>
       </p:grpSpPr>
+      <p:pic>
+        <p:nvPicPr>
+          <p:cNvPr id="5" name="Picture 4">
+            <a:extLst>
+              <a:ext uri="{FF2B5EF4-FFF2-40B4-BE49-F238E27FC236}">
+                <a16:creationId xmlns:a16="http://schemas.microsoft.com/office/drawing/2014/main" id="{738EE264-1653-F0DF-A7C3-BFFB9365D21A}"/>
+              </a:ext>
+            </a:extLst>
+          </p:cNvPr>
+          <p:cNvPicPr>
+            <a:picLocks noChangeAspect="1"/>
+          </p:cNvPicPr>
+          <p:nvPr/>
+        </p:nvPicPr>
+        <p:blipFill>
+          <a:blip r:embed="rId3"/>
+          <a:stretch>
+            <a:fillRect/>
+          </a:stretch>
+        </p:blipFill>
+        <p:spPr>
+          <a:xfrm>
+            <a:off x="11138159" y="101012"/>
+            <a:ext cx="894184" cy="894184"/>
+          </a:xfrm>
+          <a:prstGeom prst="rect">
+            <a:avLst/>
+          </a:prstGeom>
+        </p:spPr>
+      </p:pic>
       <p:sp>
         <p:nvSpPr>
           <p:cNvPr id="2" name="Title 1"/>
@@ -12753,7 +13027,7 @@
           <p:nvPr/>
         </p:nvPicPr>
         <p:blipFill>
-          <a:blip r:embed="rId3"/>
+          <a:blip r:embed="rId4"/>
           <a:stretch>
             <a:fillRect/>
           </a:stretch>
@@ -12762,6 +13036,36 @@
           <a:xfrm>
             <a:off x="9804686" y="3842313"/>
             <a:ext cx="1671115" cy="1629337"/>
+          </a:xfrm>
+          <a:prstGeom prst="rect">
+            <a:avLst/>
+          </a:prstGeom>
+        </p:spPr>
+      </p:pic>
+      <p:pic>
+        <p:nvPicPr>
+          <p:cNvPr id="4" name="Picture 3">
+            <a:extLst>
+              <a:ext uri="{FF2B5EF4-FFF2-40B4-BE49-F238E27FC236}">
+                <a16:creationId xmlns:a16="http://schemas.microsoft.com/office/drawing/2014/main" id="{90E05CA8-61B4-6DBC-66CB-F17E7162248A}"/>
+              </a:ext>
+            </a:extLst>
+          </p:cNvPr>
+          <p:cNvPicPr>
+            <a:picLocks noChangeAspect="1"/>
+          </p:cNvPicPr>
+          <p:nvPr/>
+        </p:nvPicPr>
+        <p:blipFill>
+          <a:blip r:embed="rId5"/>
+          <a:stretch>
+            <a:fillRect/>
+          </a:stretch>
+        </p:blipFill>
+        <p:spPr>
+          <a:xfrm>
+            <a:off x="-3175" y="6419621"/>
+            <a:ext cx="12192000" cy="438379"/>
           </a:xfrm>
           <a:prstGeom prst="rect">
             <a:avLst/>
@@ -13094,6 +13398,66 @@
           </a:p>
         </p:txBody>
       </p:sp>
+      <p:pic>
+        <p:nvPicPr>
+          <p:cNvPr id="4" name="Picture 3">
+            <a:extLst>
+              <a:ext uri="{FF2B5EF4-FFF2-40B4-BE49-F238E27FC236}">
+                <a16:creationId xmlns:a16="http://schemas.microsoft.com/office/drawing/2014/main" id="{042B147A-0B9A-4AAD-97FF-E6802CB0D621}"/>
+              </a:ext>
+            </a:extLst>
+          </p:cNvPr>
+          <p:cNvPicPr>
+            <a:picLocks noChangeAspect="1"/>
+          </p:cNvPicPr>
+          <p:nvPr/>
+        </p:nvPicPr>
+        <p:blipFill>
+          <a:blip r:embed="rId3"/>
+          <a:stretch>
+            <a:fillRect/>
+          </a:stretch>
+        </p:blipFill>
+        <p:spPr>
+          <a:xfrm>
+            <a:off x="-3175" y="6419621"/>
+            <a:ext cx="12192000" cy="438379"/>
+          </a:xfrm>
+          <a:prstGeom prst="rect">
+            <a:avLst/>
+          </a:prstGeom>
+        </p:spPr>
+      </p:pic>
+      <p:pic>
+        <p:nvPicPr>
+          <p:cNvPr id="6" name="Picture 5">
+            <a:extLst>
+              <a:ext uri="{FF2B5EF4-FFF2-40B4-BE49-F238E27FC236}">
+                <a16:creationId xmlns:a16="http://schemas.microsoft.com/office/drawing/2014/main" id="{3B35D4F2-1001-31AE-D743-8B803170BD03}"/>
+              </a:ext>
+            </a:extLst>
+          </p:cNvPr>
+          <p:cNvPicPr>
+            <a:picLocks noChangeAspect="1"/>
+          </p:cNvPicPr>
+          <p:nvPr/>
+        </p:nvPicPr>
+        <p:blipFill>
+          <a:blip r:embed="rId4"/>
+          <a:stretch>
+            <a:fillRect/>
+          </a:stretch>
+        </p:blipFill>
+        <p:spPr>
+          <a:xfrm>
+            <a:off x="11138159" y="101012"/>
+            <a:ext cx="894184" cy="894184"/>
+          </a:xfrm>
+          <a:prstGeom prst="rect">
+            <a:avLst/>
+          </a:prstGeom>
+        </p:spPr>
+      </p:pic>
     </p:spTree>
   </p:cSld>
   <p:clrMapOvr>
@@ -13564,6 +13928,66 @@
           </a:p>
         </p:txBody>
       </p:sp>
+      <p:pic>
+        <p:nvPicPr>
+          <p:cNvPr id="4" name="Picture 3">
+            <a:extLst>
+              <a:ext uri="{FF2B5EF4-FFF2-40B4-BE49-F238E27FC236}">
+                <a16:creationId xmlns:a16="http://schemas.microsoft.com/office/drawing/2014/main" id="{42F22107-7E4E-05F4-1505-17A0D7072DB9}"/>
+              </a:ext>
+            </a:extLst>
+          </p:cNvPr>
+          <p:cNvPicPr>
+            <a:picLocks noChangeAspect="1"/>
+          </p:cNvPicPr>
+          <p:nvPr/>
+        </p:nvPicPr>
+        <p:blipFill>
+          <a:blip r:embed="rId3"/>
+          <a:stretch>
+            <a:fillRect/>
+          </a:stretch>
+        </p:blipFill>
+        <p:spPr>
+          <a:xfrm>
+            <a:off x="-3175" y="6419621"/>
+            <a:ext cx="12192000" cy="438379"/>
+          </a:xfrm>
+          <a:prstGeom prst="rect">
+            <a:avLst/>
+          </a:prstGeom>
+        </p:spPr>
+      </p:pic>
+      <p:pic>
+        <p:nvPicPr>
+          <p:cNvPr id="7" name="Picture 6">
+            <a:extLst>
+              <a:ext uri="{FF2B5EF4-FFF2-40B4-BE49-F238E27FC236}">
+                <a16:creationId xmlns:a16="http://schemas.microsoft.com/office/drawing/2014/main" id="{6B144ACA-E328-BD1C-40C1-3F8011A6B6A4}"/>
+              </a:ext>
+            </a:extLst>
+          </p:cNvPr>
+          <p:cNvPicPr>
+            <a:picLocks noChangeAspect="1"/>
+          </p:cNvPicPr>
+          <p:nvPr/>
+        </p:nvPicPr>
+        <p:blipFill>
+          <a:blip r:embed="rId4"/>
+          <a:stretch>
+            <a:fillRect/>
+          </a:stretch>
+        </p:blipFill>
+        <p:spPr>
+          <a:xfrm>
+            <a:off x="11138159" y="101012"/>
+            <a:ext cx="894184" cy="894184"/>
+          </a:xfrm>
+          <a:prstGeom prst="rect">
+            <a:avLst/>
+          </a:prstGeom>
+        </p:spPr>
+      </p:pic>
     </p:spTree>
   </p:cSld>
   <p:clrMapOvr>
@@ -13942,6 +14366,66 @@
           </a:p>
         </p:txBody>
       </p:sp>
+      <p:pic>
+        <p:nvPicPr>
+          <p:cNvPr id="4" name="Picture 3">
+            <a:extLst>
+              <a:ext uri="{FF2B5EF4-FFF2-40B4-BE49-F238E27FC236}">
+                <a16:creationId xmlns:a16="http://schemas.microsoft.com/office/drawing/2014/main" id="{36B86985-8BD4-EB57-1B02-04AB708C4888}"/>
+              </a:ext>
+            </a:extLst>
+          </p:cNvPr>
+          <p:cNvPicPr>
+            <a:picLocks noChangeAspect="1"/>
+          </p:cNvPicPr>
+          <p:nvPr/>
+        </p:nvPicPr>
+        <p:blipFill>
+          <a:blip r:embed="rId4"/>
+          <a:stretch>
+            <a:fillRect/>
+          </a:stretch>
+        </p:blipFill>
+        <p:spPr>
+          <a:xfrm>
+            <a:off x="-3175" y="6419621"/>
+            <a:ext cx="12192000" cy="438379"/>
+          </a:xfrm>
+          <a:prstGeom prst="rect">
+            <a:avLst/>
+          </a:prstGeom>
+        </p:spPr>
+      </p:pic>
+      <p:pic>
+        <p:nvPicPr>
+          <p:cNvPr id="9" name="Picture 8">
+            <a:extLst>
+              <a:ext uri="{FF2B5EF4-FFF2-40B4-BE49-F238E27FC236}">
+                <a16:creationId xmlns:a16="http://schemas.microsoft.com/office/drawing/2014/main" id="{DAF0D6ED-67CA-EC66-F79D-D64452836C8A}"/>
+              </a:ext>
+            </a:extLst>
+          </p:cNvPr>
+          <p:cNvPicPr>
+            <a:picLocks noChangeAspect="1"/>
+          </p:cNvPicPr>
+          <p:nvPr/>
+        </p:nvPicPr>
+        <p:blipFill>
+          <a:blip r:embed="rId5"/>
+          <a:stretch>
+            <a:fillRect/>
+          </a:stretch>
+        </p:blipFill>
+        <p:spPr>
+          <a:xfrm>
+            <a:off x="11138159" y="101012"/>
+            <a:ext cx="894184" cy="894184"/>
+          </a:xfrm>
+          <a:prstGeom prst="rect">
+            <a:avLst/>
+          </a:prstGeom>
+        </p:spPr>
+      </p:pic>
     </p:spTree>
   </p:cSld>
   <p:clrMapOvr>
@@ -14339,6 +14823,66 @@
           </a:p>
         </p:txBody>
       </p:sp>
+      <p:pic>
+        <p:nvPicPr>
+          <p:cNvPr id="9" name="Picture 8">
+            <a:extLst>
+              <a:ext uri="{FF2B5EF4-FFF2-40B4-BE49-F238E27FC236}">
+                <a16:creationId xmlns:a16="http://schemas.microsoft.com/office/drawing/2014/main" id="{97CC114B-7918-28B7-1AB8-8B28BBFEC050}"/>
+              </a:ext>
+            </a:extLst>
+          </p:cNvPr>
+          <p:cNvPicPr>
+            <a:picLocks noChangeAspect="1"/>
+          </p:cNvPicPr>
+          <p:nvPr/>
+        </p:nvPicPr>
+        <p:blipFill>
+          <a:blip r:embed="rId4"/>
+          <a:stretch>
+            <a:fillRect/>
+          </a:stretch>
+        </p:blipFill>
+        <p:spPr>
+          <a:xfrm>
+            <a:off x="-3175" y="6419621"/>
+            <a:ext cx="12192000" cy="438379"/>
+          </a:xfrm>
+          <a:prstGeom prst="rect">
+            <a:avLst/>
+          </a:prstGeom>
+        </p:spPr>
+      </p:pic>
+      <p:pic>
+        <p:nvPicPr>
+          <p:cNvPr id="10" name="Picture 9">
+            <a:extLst>
+              <a:ext uri="{FF2B5EF4-FFF2-40B4-BE49-F238E27FC236}">
+                <a16:creationId xmlns:a16="http://schemas.microsoft.com/office/drawing/2014/main" id="{830A0075-981F-D202-0E1B-9CC28AE90550}"/>
+              </a:ext>
+            </a:extLst>
+          </p:cNvPr>
+          <p:cNvPicPr>
+            <a:picLocks noChangeAspect="1"/>
+          </p:cNvPicPr>
+          <p:nvPr/>
+        </p:nvPicPr>
+        <p:blipFill>
+          <a:blip r:embed="rId5"/>
+          <a:stretch>
+            <a:fillRect/>
+          </a:stretch>
+        </p:blipFill>
+        <p:spPr>
+          <a:xfrm>
+            <a:off x="11138159" y="101012"/>
+            <a:ext cx="894184" cy="894184"/>
+          </a:xfrm>
+          <a:prstGeom prst="rect">
+            <a:avLst/>
+          </a:prstGeom>
+        </p:spPr>
+      </p:pic>
     </p:spTree>
   </p:cSld>
   <p:clrMapOvr>
@@ -14737,6 +15281,66 @@
           </a:p>
         </p:txBody>
       </p:sp>
+      <p:pic>
+        <p:nvPicPr>
+          <p:cNvPr id="9" name="Picture 8">
+            <a:extLst>
+              <a:ext uri="{FF2B5EF4-FFF2-40B4-BE49-F238E27FC236}">
+                <a16:creationId xmlns:a16="http://schemas.microsoft.com/office/drawing/2014/main" id="{8C376040-3257-9EE9-2A7F-17E3E66DFFDD}"/>
+              </a:ext>
+            </a:extLst>
+          </p:cNvPr>
+          <p:cNvPicPr>
+            <a:picLocks noChangeAspect="1"/>
+          </p:cNvPicPr>
+          <p:nvPr/>
+        </p:nvPicPr>
+        <p:blipFill>
+          <a:blip r:embed="rId3"/>
+          <a:stretch>
+            <a:fillRect/>
+          </a:stretch>
+        </p:blipFill>
+        <p:spPr>
+          <a:xfrm>
+            <a:off x="-3175" y="6419621"/>
+            <a:ext cx="12192000" cy="438379"/>
+          </a:xfrm>
+          <a:prstGeom prst="rect">
+            <a:avLst/>
+          </a:prstGeom>
+        </p:spPr>
+      </p:pic>
+      <p:pic>
+        <p:nvPicPr>
+          <p:cNvPr id="10" name="Picture 9">
+            <a:extLst>
+              <a:ext uri="{FF2B5EF4-FFF2-40B4-BE49-F238E27FC236}">
+                <a16:creationId xmlns:a16="http://schemas.microsoft.com/office/drawing/2014/main" id="{E2ACF0E7-8B45-5A5F-BA5E-582850AFB4AA}"/>
+              </a:ext>
+            </a:extLst>
+          </p:cNvPr>
+          <p:cNvPicPr>
+            <a:picLocks noChangeAspect="1"/>
+          </p:cNvPicPr>
+          <p:nvPr/>
+        </p:nvPicPr>
+        <p:blipFill>
+          <a:blip r:embed="rId4"/>
+          <a:stretch>
+            <a:fillRect/>
+          </a:stretch>
+        </p:blipFill>
+        <p:spPr>
+          <a:xfrm>
+            <a:off x="11138159" y="101012"/>
+            <a:ext cx="894184" cy="894184"/>
+          </a:xfrm>
+          <a:prstGeom prst="rect">
+            <a:avLst/>
+          </a:prstGeom>
+        </p:spPr>
+      </p:pic>
     </p:spTree>
   </p:cSld>
   <p:clrMapOvr>
@@ -14952,6 +15556,66 @@
           </a:p>
         </p:txBody>
       </p:sp>
+      <p:pic>
+        <p:nvPicPr>
+          <p:cNvPr id="5" name="Picture 4">
+            <a:extLst>
+              <a:ext uri="{FF2B5EF4-FFF2-40B4-BE49-F238E27FC236}">
+                <a16:creationId xmlns:a16="http://schemas.microsoft.com/office/drawing/2014/main" id="{4C50ABF9-6573-8E40-E860-4E6A851B6909}"/>
+              </a:ext>
+            </a:extLst>
+          </p:cNvPr>
+          <p:cNvPicPr>
+            <a:picLocks noChangeAspect="1"/>
+          </p:cNvPicPr>
+          <p:nvPr/>
+        </p:nvPicPr>
+        <p:blipFill>
+          <a:blip r:embed="rId4"/>
+          <a:stretch>
+            <a:fillRect/>
+          </a:stretch>
+        </p:blipFill>
+        <p:spPr>
+          <a:xfrm>
+            <a:off x="-3175" y="6419621"/>
+            <a:ext cx="12192000" cy="438379"/>
+          </a:xfrm>
+          <a:prstGeom prst="rect">
+            <a:avLst/>
+          </a:prstGeom>
+        </p:spPr>
+      </p:pic>
+      <p:pic>
+        <p:nvPicPr>
+          <p:cNvPr id="6" name="Picture 5">
+            <a:extLst>
+              <a:ext uri="{FF2B5EF4-FFF2-40B4-BE49-F238E27FC236}">
+                <a16:creationId xmlns:a16="http://schemas.microsoft.com/office/drawing/2014/main" id="{9132751A-F50E-A6F4-CADE-46979683D663}"/>
+              </a:ext>
+            </a:extLst>
+          </p:cNvPr>
+          <p:cNvPicPr>
+            <a:picLocks noChangeAspect="1"/>
+          </p:cNvPicPr>
+          <p:nvPr/>
+        </p:nvPicPr>
+        <p:blipFill>
+          <a:blip r:embed="rId5"/>
+          <a:stretch>
+            <a:fillRect/>
+          </a:stretch>
+        </p:blipFill>
+        <p:spPr>
+          <a:xfrm>
+            <a:off x="11138159" y="101012"/>
+            <a:ext cx="894184" cy="894184"/>
+          </a:xfrm>
+          <a:prstGeom prst="rect">
+            <a:avLst/>
+          </a:prstGeom>
+        </p:spPr>
+      </p:pic>
     </p:spTree>
   </p:cSld>
   <p:clrMapOvr>
@@ -15333,6 +15997,117 @@
           </a:p>
         </p:txBody>
       </p:sp>
+      <mc:AlternateContent xmlns:mc="http://schemas.openxmlformats.org/markup-compatibility/2006" xmlns:p14="http://schemas.microsoft.com/office/powerpoint/2010/main">
+        <mc:Choice Requires="p14">
+          <p:contentPart p14:bwMode="auto" r:id="rId4">
+            <p14:nvContentPartPr>
+              <p14:cNvPr id="6" name="Ink 5">
+                <a:extLst>
+                  <a:ext uri="{FF2B5EF4-FFF2-40B4-BE49-F238E27FC236}">
+                    <a16:creationId xmlns:a16="http://schemas.microsoft.com/office/drawing/2014/main" id="{A908D993-04AE-8D10-19E7-E32E9CF44D29}"/>
+                  </a:ext>
+                </a:extLst>
+              </p14:cNvPr>
+              <p14:cNvContentPartPr/>
+              <p14:nvPr/>
+            </p14:nvContentPartPr>
+            <p14:xfrm>
+              <a:off x="1490688" y="5565096"/>
+              <a:ext cx="13320" cy="15480"/>
+            </p14:xfrm>
+          </p:contentPart>
+        </mc:Choice>
+        <mc:Fallback xmlns="">
+          <p:pic>
+            <p:nvPicPr>
+              <p:cNvPr id="6" name="Ink 5">
+                <a:extLst>
+                  <a:ext uri="{FF2B5EF4-FFF2-40B4-BE49-F238E27FC236}">
+                    <a16:creationId xmlns:a16="http://schemas.microsoft.com/office/drawing/2014/main" id="{A908D993-04AE-8D10-19E7-E32E9CF44D29}"/>
+                  </a:ext>
+                </a:extLst>
+              </p:cNvPr>
+              <p:cNvPicPr/>
+              <p:nvPr/>
+            </p:nvPicPr>
+            <p:blipFill>
+              <a:blip r:embed="rId5"/>
+              <a:stretch>
+                <a:fillRect/>
+              </a:stretch>
+            </p:blipFill>
+            <p:spPr>
+              <a:xfrm>
+                <a:off x="1484568" y="5558976"/>
+                <a:ext cx="25560" cy="27720"/>
+              </a:xfrm>
+              <a:prstGeom prst="rect">
+                <a:avLst/>
+              </a:prstGeom>
+            </p:spPr>
+          </p:pic>
+        </mc:Fallback>
+      </mc:AlternateContent>
+      <p:pic>
+        <p:nvPicPr>
+          <p:cNvPr id="8" name="Picture 7">
+            <a:extLst>
+              <a:ext uri="{FF2B5EF4-FFF2-40B4-BE49-F238E27FC236}">
+                <a16:creationId xmlns:a16="http://schemas.microsoft.com/office/drawing/2014/main" id="{3E177DA4-2B0E-3827-B6E8-8F7369BFA317}"/>
+              </a:ext>
+            </a:extLst>
+          </p:cNvPr>
+          <p:cNvPicPr>
+            <a:picLocks noChangeAspect="1"/>
+          </p:cNvPicPr>
+          <p:nvPr/>
+        </p:nvPicPr>
+        <p:blipFill>
+          <a:blip r:embed="rId6"/>
+          <a:stretch>
+            <a:fillRect/>
+          </a:stretch>
+        </p:blipFill>
+        <p:spPr>
+          <a:xfrm>
+            <a:off x="-3175" y="6419621"/>
+            <a:ext cx="12192000" cy="438379"/>
+          </a:xfrm>
+          <a:prstGeom prst="rect">
+            <a:avLst/>
+          </a:prstGeom>
+        </p:spPr>
+      </p:pic>
+      <p:pic>
+        <p:nvPicPr>
+          <p:cNvPr id="9" name="Picture 8">
+            <a:extLst>
+              <a:ext uri="{FF2B5EF4-FFF2-40B4-BE49-F238E27FC236}">
+                <a16:creationId xmlns:a16="http://schemas.microsoft.com/office/drawing/2014/main" id="{F664D5A4-8097-5A1B-9F29-BFA800D7B13F}"/>
+              </a:ext>
+            </a:extLst>
+          </p:cNvPr>
+          <p:cNvPicPr>
+            <a:picLocks noChangeAspect="1"/>
+          </p:cNvPicPr>
+          <p:nvPr/>
+        </p:nvPicPr>
+        <p:blipFill>
+          <a:blip r:embed="rId7"/>
+          <a:stretch>
+            <a:fillRect/>
+          </a:stretch>
+        </p:blipFill>
+        <p:spPr>
+          <a:xfrm>
+            <a:off x="11138159" y="101012"/>
+            <a:ext cx="894184" cy="894184"/>
+          </a:xfrm>
+          <a:prstGeom prst="rect">
+            <a:avLst/>
+          </a:prstGeom>
+        </p:spPr>
+      </p:pic>
     </p:spTree>
   </p:cSld>
   <p:clrMapOvr>
@@ -15402,6 +16177,66 @@
           <a:xfrm>
             <a:off x="-3175" y="0"/>
             <a:ext cx="12192000" cy="6858000"/>
+          </a:xfrm>
+          <a:prstGeom prst="rect">
+            <a:avLst/>
+          </a:prstGeom>
+        </p:spPr>
+      </p:pic>
+      <p:pic>
+        <p:nvPicPr>
+          <p:cNvPr id="3" name="Picture 2">
+            <a:extLst>
+              <a:ext uri="{FF2B5EF4-FFF2-40B4-BE49-F238E27FC236}">
+                <a16:creationId xmlns:a16="http://schemas.microsoft.com/office/drawing/2014/main" id="{2AC42400-21A9-3F0C-1B36-004D5C52D9B1}"/>
+              </a:ext>
+            </a:extLst>
+          </p:cNvPr>
+          <p:cNvPicPr>
+            <a:picLocks noChangeAspect="1"/>
+          </p:cNvPicPr>
+          <p:nvPr/>
+        </p:nvPicPr>
+        <p:blipFill>
+          <a:blip r:embed="rId5"/>
+          <a:stretch>
+            <a:fillRect/>
+          </a:stretch>
+        </p:blipFill>
+        <p:spPr>
+          <a:xfrm>
+            <a:off x="-3175" y="6419621"/>
+            <a:ext cx="12192000" cy="438379"/>
+          </a:xfrm>
+          <a:prstGeom prst="rect">
+            <a:avLst/>
+          </a:prstGeom>
+        </p:spPr>
+      </p:pic>
+      <p:pic>
+        <p:nvPicPr>
+          <p:cNvPr id="4" name="Picture 3">
+            <a:extLst>
+              <a:ext uri="{FF2B5EF4-FFF2-40B4-BE49-F238E27FC236}">
+                <a16:creationId xmlns:a16="http://schemas.microsoft.com/office/drawing/2014/main" id="{072A3A5A-F698-5C93-1A29-FB296922DD20}"/>
+              </a:ext>
+            </a:extLst>
+          </p:cNvPr>
+          <p:cNvPicPr>
+            <a:picLocks noChangeAspect="1"/>
+          </p:cNvPicPr>
+          <p:nvPr/>
+        </p:nvPicPr>
+        <p:blipFill>
+          <a:blip r:embed="rId6"/>
+          <a:stretch>
+            <a:fillRect/>
+          </a:stretch>
+        </p:blipFill>
+        <p:spPr>
+          <a:xfrm>
+            <a:off x="11138159" y="101012"/>
+            <a:ext cx="894184" cy="894184"/>
           </a:xfrm>
           <a:prstGeom prst="rect">
             <a:avLst/>
